--- a/开题报告.pptx
+++ b/开题报告.pptx
@@ -5,7 +5,7 @@
     <p:sldMasterId id="2147483648" r:id="rId1"/>
   </p:sldMasterIdLst>
   <p:notesMasterIdLst>
-    <p:notesMasterId r:id="rId18"/>
+    <p:notesMasterId r:id="rId20"/>
   </p:notesMasterIdLst>
   <p:sldIdLst>
     <p:sldId id="258" r:id="rId2"/>
@@ -14,16 +14,18 @@
     <p:sldId id="270" r:id="rId5"/>
     <p:sldId id="261" r:id="rId6"/>
     <p:sldId id="262" r:id="rId7"/>
-    <p:sldId id="265" r:id="rId8"/>
-    <p:sldId id="271" r:id="rId9"/>
-    <p:sldId id="272" r:id="rId10"/>
-    <p:sldId id="273" r:id="rId11"/>
-    <p:sldId id="274" r:id="rId12"/>
-    <p:sldId id="269" r:id="rId13"/>
-    <p:sldId id="275" r:id="rId14"/>
-    <p:sldId id="266" r:id="rId15"/>
-    <p:sldId id="267" r:id="rId16"/>
-    <p:sldId id="268" r:id="rId17"/>
+    <p:sldId id="276" r:id="rId8"/>
+    <p:sldId id="265" r:id="rId9"/>
+    <p:sldId id="271" r:id="rId10"/>
+    <p:sldId id="272" r:id="rId11"/>
+    <p:sldId id="273" r:id="rId12"/>
+    <p:sldId id="274" r:id="rId13"/>
+    <p:sldId id="269" r:id="rId14"/>
+    <p:sldId id="275" r:id="rId15"/>
+    <p:sldId id="266" r:id="rId16"/>
+    <p:sldId id="277" r:id="rId17"/>
+    <p:sldId id="267" r:id="rId18"/>
+    <p:sldId id="268" r:id="rId19"/>
   </p:sldIdLst>
   <p:sldSz cx="12192000" cy="6858000"/>
   <p:notesSz cx="6858000" cy="9144000"/>
@@ -647,7 +649,7 @@
     </p:spTree>
     <p:extLst>
       <p:ext uri="{BB962C8B-B14F-4D97-AF65-F5344CB8AC3E}">
-        <p14:creationId xmlns:p14="http://schemas.microsoft.com/office/powerpoint/2010/main" val="1356665080"/>
+        <p14:creationId xmlns:p14="http://schemas.microsoft.com/office/powerpoint/2010/main" val="1135371544"/>
       </p:ext>
     </p:extLst>
   </p:cSld>
@@ -734,7 +736,7 @@
     </p:spTree>
     <p:extLst>
       <p:ext uri="{BB962C8B-B14F-4D97-AF65-F5344CB8AC3E}">
-        <p14:creationId xmlns:p14="http://schemas.microsoft.com/office/powerpoint/2010/main" val="1438732447"/>
+        <p14:creationId xmlns:p14="http://schemas.microsoft.com/office/powerpoint/2010/main" val="1356665080"/>
       </p:ext>
     </p:extLst>
   </p:cSld>
@@ -819,6 +821,11 @@
         </p:txBody>
       </p:sp>
     </p:spTree>
+    <p:extLst>
+      <p:ext uri="{BB962C8B-B14F-4D97-AF65-F5344CB8AC3E}">
+        <p14:creationId xmlns:p14="http://schemas.microsoft.com/office/powerpoint/2010/main" val="1438732447"/>
+      </p:ext>
+    </p:extLst>
   </p:cSld>
   <p:clrMapOvr>
     <a:masterClrMapping/>
@@ -901,11 +908,6 @@
         </p:txBody>
       </p:sp>
     </p:spTree>
-    <p:extLst>
-      <p:ext uri="{BB962C8B-B14F-4D97-AF65-F5344CB8AC3E}">
-        <p14:creationId xmlns:p14="http://schemas.microsoft.com/office/powerpoint/2010/main" val="2190418908"/>
-      </p:ext>
-    </p:extLst>
   </p:cSld>
   <p:clrMapOvr>
     <a:masterClrMapping/>
@@ -988,6 +990,11 @@
         </p:txBody>
       </p:sp>
     </p:spTree>
+    <p:extLst>
+      <p:ext uri="{BB962C8B-B14F-4D97-AF65-F5344CB8AC3E}">
+        <p14:creationId xmlns:p14="http://schemas.microsoft.com/office/powerpoint/2010/main" val="2190418908"/>
+      </p:ext>
+    </p:extLst>
   </p:cSld>
   <p:clrMapOvr>
     <a:masterClrMapping/>
@@ -1145,7 +1152,89 @@
             </a:pPr>
             <a:fld id="{CD7A2CCA-E5D5-4859-8035-B358016F08F8}" type="slidenum">
               <a:rPr lang="zh-CN" altLang="en-US" smtClean="0"/>
-              <a:t>16</a:t>
+              <a:t>17</a:t>
+            </a:fld>
+            <a:endParaRPr lang="zh-CN" altLang="en-US" dirty="0"/>
+          </a:p>
+        </p:txBody>
+      </p:sp>
+    </p:spTree>
+  </p:cSld>
+  <p:clrMapOvr>
+    <a:masterClrMapping/>
+  </p:clrMapOvr>
+</p:notes>
+</file>
+
+<file path=ppt/notesSlides/notesSlide17.xml><?xml version="1.0" encoding="utf-8"?>
+<p:notes xmlns:a="http://schemas.openxmlformats.org/drawingml/2006/main" xmlns:r="http://schemas.openxmlformats.org/officeDocument/2006/relationships" xmlns:p="http://schemas.openxmlformats.org/presentationml/2006/main">
+  <p:cSld>
+    <p:spTree>
+      <p:nvGrpSpPr>
+        <p:cNvPr id="1" name=""/>
+        <p:cNvGrpSpPr/>
+        <p:nvPr/>
+      </p:nvGrpSpPr>
+      <p:grpSpPr>
+        <a:xfrm>
+          <a:off x="0" y="0"/>
+          <a:ext cx="0" cy="0"/>
+          <a:chOff x="0" y="0"/>
+          <a:chExt cx="0" cy="0"/>
+        </a:xfrm>
+      </p:grpSpPr>
+      <p:sp>
+        <p:nvSpPr>
+          <p:cNvPr id="2" name="幻灯片图像占位符 1"/>
+          <p:cNvSpPr>
+            <a:spLocks noGrp="1" noRot="1" noChangeAspect="1"/>
+          </p:cNvSpPr>
+          <p:nvPr>
+            <p:ph type="sldImg"/>
+          </p:nvPr>
+        </p:nvSpPr>
+        <p:spPr/>
+      </p:sp>
+      <p:sp>
+        <p:nvSpPr>
+          <p:cNvPr id="3" name="备注占位符 2"/>
+          <p:cNvSpPr>
+            <a:spLocks noGrp="1"/>
+          </p:cNvSpPr>
+          <p:nvPr>
+            <p:ph type="body" idx="1"/>
+          </p:nvPr>
+        </p:nvSpPr>
+        <p:spPr/>
+        <p:txBody>
+          <a:bodyPr/>
+          <a:lstStyle/>
+          <a:p>
+            <a:endParaRPr lang="zh-CN" altLang="en-US"/>
+          </a:p>
+        </p:txBody>
+      </p:sp>
+      <p:sp>
+        <p:nvSpPr>
+          <p:cNvPr id="4" name="灯片编号占位符 3"/>
+          <p:cNvSpPr>
+            <a:spLocks noGrp="1"/>
+          </p:cNvSpPr>
+          <p:nvPr>
+            <p:ph type="sldNum" sz="quarter" idx="10"/>
+          </p:nvPr>
+        </p:nvSpPr>
+        <p:spPr/>
+        <p:txBody>
+          <a:bodyPr/>
+          <a:lstStyle/>
+          <a:p>
+            <a:pPr>
+              <a:defRPr/>
+            </a:pPr>
+            <a:fld id="{CD7A2CCA-E5D5-4859-8035-B358016F08F8}" type="slidenum">
+              <a:rPr lang="zh-CN" altLang="en-US" smtClean="0"/>
+              <a:t>18</a:t>
             </a:fld>
             <a:endParaRPr lang="zh-CN" altLang="en-US" dirty="0"/>
           </a:p>
@@ -1282,7 +1371,7 @@
           <a:bodyPr/>
           <a:lstStyle/>
           <a:p>
-            <a:endParaRPr lang="zh-CN" altLang="en-US"/>
+            <a:endParaRPr lang="zh-CN" altLang="en-US" dirty="0"/>
           </a:p>
         </p:txBody>
       </p:sp>
@@ -1728,11 +1817,6 @@
         </p:txBody>
       </p:sp>
     </p:spTree>
-    <p:extLst>
-      <p:ext uri="{BB962C8B-B14F-4D97-AF65-F5344CB8AC3E}">
-        <p14:creationId xmlns:p14="http://schemas.microsoft.com/office/powerpoint/2010/main" val="3359997388"/>
-      </p:ext>
-    </p:extLst>
   </p:cSld>
   <p:clrMapOvr>
     <a:masterClrMapping/>
@@ -1817,7 +1901,7 @@
     </p:spTree>
     <p:extLst>
       <p:ext uri="{BB962C8B-B14F-4D97-AF65-F5344CB8AC3E}">
-        <p14:creationId xmlns:p14="http://schemas.microsoft.com/office/powerpoint/2010/main" val="1135371544"/>
+        <p14:creationId xmlns:p14="http://schemas.microsoft.com/office/powerpoint/2010/main" val="3359997388"/>
       </p:ext>
     </p:extLst>
   </p:cSld>
@@ -31589,6 +31673,508 @@
         </p:nvGrpSpPr>
         <p:grpSpPr>
           <a:xfrm>
+            <a:off x="640757" y="1197864"/>
+            <a:ext cx="11118427" cy="4864608"/>
+            <a:chOff x="678857" y="2188316"/>
+            <a:chExt cx="2160001" cy="3917208"/>
+          </a:xfrm>
+        </p:grpSpPr>
+        <p:sp>
+          <p:nvSpPr>
+            <p:cNvPr id="12" name="矩形 11"/>
+            <p:cNvSpPr/>
+            <p:nvPr/>
+          </p:nvSpPr>
+          <p:spPr>
+            <a:xfrm>
+              <a:off x="678857" y="2819802"/>
+              <a:ext cx="720000" cy="72000"/>
+            </a:xfrm>
+            <a:prstGeom prst="rect">
+              <a:avLst/>
+            </a:prstGeom>
+            <a:solidFill>
+              <a:schemeClr val="accent4"/>
+            </a:solidFill>
+            <a:ln>
+              <a:noFill/>
+            </a:ln>
+          </p:spPr>
+          <p:style>
+            <a:lnRef idx="2">
+              <a:schemeClr val="accent1">
+                <a:shade val="50000"/>
+              </a:schemeClr>
+            </a:lnRef>
+            <a:fillRef idx="1">
+              <a:schemeClr val="accent1"/>
+            </a:fillRef>
+            <a:effectRef idx="0">
+              <a:schemeClr val="accent1"/>
+            </a:effectRef>
+            <a:fontRef idx="minor">
+              <a:schemeClr val="lt1"/>
+            </a:fontRef>
+          </p:style>
+          <p:txBody>
+            <a:bodyPr rtlCol="0" anchor="ctr"/>
+            <a:lstStyle/>
+            <a:p>
+              <a:pPr algn="ctr"/>
+              <a:endParaRPr lang="zh-CN" altLang="en-US" sz="2000"/>
+            </a:p>
+          </p:txBody>
+        </p:sp>
+        <p:sp>
+          <p:nvSpPr>
+            <p:cNvPr id="13" name="文本框 12"/>
+            <p:cNvSpPr txBox="1"/>
+            <p:nvPr/>
+          </p:nvSpPr>
+          <p:spPr>
+            <a:xfrm>
+              <a:off x="678857" y="2188316"/>
+              <a:ext cx="640775" cy="371754"/>
+            </a:xfrm>
+            <a:prstGeom prst="rect">
+              <a:avLst/>
+            </a:prstGeom>
+            <a:noFill/>
+          </p:spPr>
+          <p:txBody>
+            <a:bodyPr wrap="none" lIns="0" rtlCol="0">
+              <a:spAutoFit/>
+            </a:bodyPr>
+            <a:lstStyle/>
+            <a:p>
+              <a:r>
+                <a:rPr lang="zh-CN" altLang="en-US" sz="2400" b="1" spc="100" dirty="0">
+                  <a:solidFill>
+                    <a:schemeClr val="accent1"/>
+                  </a:solidFill>
+                </a:rPr>
+                <a:t>文件系统的设计和实现</a:t>
+              </a:r>
+            </a:p>
+          </p:txBody>
+        </p:sp>
+        <p:sp>
+          <p:nvSpPr>
+            <p:cNvPr id="14" name="文本框 13"/>
+            <p:cNvSpPr txBox="1"/>
+            <p:nvPr/>
+          </p:nvSpPr>
+          <p:spPr>
+            <a:xfrm>
+              <a:off x="678858" y="3123177"/>
+              <a:ext cx="2160000" cy="2982347"/>
+            </a:xfrm>
+            <a:prstGeom prst="rect">
+              <a:avLst/>
+            </a:prstGeom>
+            <a:noFill/>
+          </p:spPr>
+          <p:txBody>
+            <a:bodyPr wrap="square" lIns="0" rtlCol="0">
+              <a:noAutofit/>
+            </a:bodyPr>
+            <a:lstStyle/>
+            <a:p>
+              <a:pPr marL="285750" indent="-285750" algn="just">
+                <a:lnSpc>
+                  <a:spcPct val="150000"/>
+                </a:lnSpc>
+                <a:buFont typeface="Arial" panose="020B0604020202020204" pitchFamily="34" charset="0"/>
+                <a:buChar char="•"/>
+              </a:pPr>
+              <a:r>
+                <a:rPr lang="zh-CN" altLang="en-US" spc="100" dirty="0"/>
+                <a:t>文件信息的存储</a:t>
+              </a:r>
+              <a:endParaRPr lang="en-US" altLang="zh-CN" spc="100" dirty="0"/>
+            </a:p>
+            <a:p>
+              <a:pPr marL="800100" lvl="1" indent="-342900" algn="just">
+                <a:lnSpc>
+                  <a:spcPct val="150000"/>
+                </a:lnSpc>
+                <a:buFont typeface="+mj-lt"/>
+                <a:buAutoNum type="arabicPeriod"/>
+              </a:pPr>
+              <a:r>
+                <a:rPr lang="en-US" altLang="zh-CN" spc="100" dirty="0"/>
+                <a:t>key = “</a:t>
+              </a:r>
+              <a:r>
+                <a:rPr lang="en-US" altLang="zh-CN" spc="100" dirty="0" err="1"/>
+                <a:t>data”,value</a:t>
+              </a:r>
+              <a:r>
+                <a:rPr lang="en-US" altLang="zh-CN" spc="100" dirty="0"/>
+                <a:t> = “….”</a:t>
+              </a:r>
+            </a:p>
+            <a:p>
+              <a:pPr marL="1257300" lvl="2" indent="-342900" algn="just">
+                <a:lnSpc>
+                  <a:spcPct val="150000"/>
+                </a:lnSpc>
+                <a:buFont typeface="+mj-lt"/>
+                <a:buAutoNum type="arabicPeriod"/>
+              </a:pPr>
+              <a:r>
+                <a:rPr lang="zh-CN" altLang="en-US" spc="100" dirty="0"/>
+                <a:t>所有的文件内容存在一个</a:t>
+              </a:r>
+              <a:r>
+                <a:rPr lang="en-US" altLang="zh-CN" spc="100" dirty="0"/>
+                <a:t>value</a:t>
+              </a:r>
+              <a:r>
+                <a:rPr lang="zh-CN" altLang="en-US" spc="100" dirty="0"/>
+                <a:t>里面</a:t>
+              </a:r>
+              <a:endParaRPr lang="en-US" altLang="zh-CN" spc="100" dirty="0"/>
+            </a:p>
+            <a:p>
+              <a:pPr marL="1257300" lvl="2" indent="-342900" algn="just">
+                <a:lnSpc>
+                  <a:spcPct val="150000"/>
+                </a:lnSpc>
+                <a:buFont typeface="+mj-lt"/>
+                <a:buAutoNum type="arabicPeriod"/>
+              </a:pPr>
+              <a:r>
+                <a:rPr lang="zh-CN" altLang="en-US" spc="100" dirty="0"/>
+                <a:t>读取速度快，修改</a:t>
+              </a:r>
+              <a:r>
+                <a:rPr lang="en-US" altLang="zh-CN" spc="100" dirty="0"/>
+                <a:t>/</a:t>
+              </a:r>
+              <a:r>
+                <a:rPr lang="zh-CN" altLang="en-US" spc="100" dirty="0"/>
+                <a:t>写入慢，相当于需要重写整个</a:t>
+              </a:r>
+              <a:r>
+                <a:rPr lang="en-US" altLang="zh-CN" spc="100" dirty="0"/>
+                <a:t>value</a:t>
+              </a:r>
+            </a:p>
+            <a:p>
+              <a:pPr marL="800100" lvl="1" indent="-342900" algn="just">
+                <a:lnSpc>
+                  <a:spcPct val="150000"/>
+                </a:lnSpc>
+                <a:buFont typeface="+mj-lt"/>
+                <a:buAutoNum type="arabicPeriod"/>
+              </a:pPr>
+              <a:r>
+                <a:rPr lang="en-US" altLang="zh-CN" spc="100" dirty="0"/>
+                <a:t>key = “</a:t>
+              </a:r>
+              <a:r>
+                <a:rPr lang="en-US" altLang="zh-CN" spc="100" dirty="0" err="1"/>
+                <a:t>data”,bucket</a:t>
+              </a:r>
+              <a:endParaRPr lang="en-US" altLang="zh-CN" spc="100" dirty="0"/>
+            </a:p>
+            <a:p>
+              <a:pPr marL="1257300" lvl="2" indent="-342900" algn="just">
+                <a:lnSpc>
+                  <a:spcPct val="150000"/>
+                </a:lnSpc>
+                <a:buFont typeface="+mj-lt"/>
+                <a:buAutoNum type="arabicPeriod"/>
+              </a:pPr>
+              <a:r>
+                <a:rPr lang="zh-CN" altLang="en-US" spc="100" dirty="0"/>
+                <a:t>每一次修改作为一个</a:t>
+              </a:r>
+              <a:r>
+                <a:rPr lang="en-US" altLang="zh-CN" spc="100" dirty="0"/>
+                <a:t>key-value</a:t>
+              </a:r>
+              <a:r>
+                <a:rPr lang="zh-CN" altLang="en-US" spc="100" dirty="0"/>
+                <a:t>插入</a:t>
+              </a:r>
+              <a:endParaRPr lang="en-US" altLang="zh-CN" spc="100" dirty="0"/>
+            </a:p>
+            <a:p>
+              <a:pPr marL="1257300" lvl="2" indent="-342900" algn="just">
+                <a:lnSpc>
+                  <a:spcPct val="150000"/>
+                </a:lnSpc>
+                <a:buFont typeface="+mj-lt"/>
+                <a:buAutoNum type="arabicPeriod"/>
+              </a:pPr>
+              <a:r>
+                <a:rPr lang="zh-CN" altLang="en-US" spc="100" dirty="0"/>
+                <a:t>读取稍慢，修改</a:t>
+              </a:r>
+              <a:r>
+                <a:rPr lang="en-US" altLang="zh-CN" spc="100" dirty="0"/>
+                <a:t>/</a:t>
+              </a:r>
+              <a:r>
+                <a:rPr lang="zh-CN" altLang="en-US" spc="100" dirty="0"/>
+                <a:t>写入更快，可以只修改某一部分</a:t>
+              </a:r>
+              <a:endParaRPr lang="en-US" altLang="zh-CN" spc="100" dirty="0"/>
+            </a:p>
+            <a:p>
+              <a:pPr marL="1257300" lvl="2" indent="-342900" algn="just">
+                <a:lnSpc>
+                  <a:spcPct val="150000"/>
+                </a:lnSpc>
+                <a:buFont typeface="+mj-lt"/>
+                <a:buAutoNum type="arabicPeriod"/>
+              </a:pPr>
+              <a:endParaRPr lang="en-US" altLang="zh-CN" spc="100" dirty="0"/>
+            </a:p>
+          </p:txBody>
+        </p:sp>
+      </p:grpSp>
+    </p:spTree>
+    <p:extLst>
+      <p:ext uri="{BB962C8B-B14F-4D97-AF65-F5344CB8AC3E}">
+        <p14:creationId xmlns:p14="http://schemas.microsoft.com/office/powerpoint/2010/main" val="940122492"/>
+      </p:ext>
+    </p:extLst>
+  </p:cSld>
+  <p:clrMapOvr>
+    <a:masterClrMapping/>
+  </p:clrMapOvr>
+  <p:transition spd="med">
+    <p:pull/>
+  </p:transition>
+</p:sld>
+</file>
+
+<file path=ppt/slides/slide11.xml><?xml version="1.0" encoding="utf-8"?>
+<p:sld xmlns:a="http://schemas.openxmlformats.org/drawingml/2006/main" xmlns:r="http://schemas.openxmlformats.org/officeDocument/2006/relationships" xmlns:p="http://schemas.openxmlformats.org/presentationml/2006/main">
+  <p:cSld>
+    <p:spTree>
+      <p:nvGrpSpPr>
+        <p:cNvPr id="1" name=""/>
+        <p:cNvGrpSpPr/>
+        <p:nvPr/>
+      </p:nvGrpSpPr>
+      <p:grpSpPr>
+        <a:xfrm>
+          <a:off x="0" y="0"/>
+          <a:ext cx="0" cy="0"/>
+          <a:chOff x="0" y="0"/>
+          <a:chExt cx="0" cy="0"/>
+        </a:xfrm>
+      </p:grpSpPr>
+      <p:sp>
+        <p:nvSpPr>
+          <p:cNvPr id="10" name="标题 9"/>
+          <p:cNvSpPr>
+            <a:spLocks noGrp="1"/>
+          </p:cNvSpPr>
+          <p:nvPr>
+            <p:ph type="title"/>
+          </p:nvPr>
+        </p:nvSpPr>
+        <p:spPr>
+          <a:xfrm>
+            <a:off x="1606550" y="345305"/>
+            <a:ext cx="8643848" cy="478155"/>
+          </a:xfrm>
+        </p:spPr>
+        <p:txBody>
+          <a:bodyPr/>
+          <a:lstStyle/>
+          <a:p>
+            <a:r>
+              <a:rPr lang="zh-CN" altLang="en-US" dirty="0"/>
+              <a:t>技术方案</a:t>
+            </a:r>
+          </a:p>
+        </p:txBody>
+      </p:sp>
+      <p:sp>
+        <p:nvSpPr>
+          <p:cNvPr id="53" name="文本框 52"/>
+          <p:cNvSpPr txBox="1">
+            <a:spLocks noChangeArrowheads="1"/>
+          </p:cNvSpPr>
+          <p:nvPr/>
+        </p:nvSpPr>
+        <p:spPr bwMode="auto">
+          <a:xfrm>
+            <a:off x="357352" y="235111"/>
+            <a:ext cx="969798" cy="646112"/>
+          </a:xfrm>
+          <a:prstGeom prst="rect">
+            <a:avLst/>
+          </a:prstGeom>
+          <a:noFill/>
+          <a:ln>
+            <a:noFill/>
+          </a:ln>
+          <a:extLst>
+            <a:ext uri="{909E8E84-426E-40DD-AFC4-6F175D3DCCD1}">
+              <a14:hiddenFill xmlns:a14="http://schemas.microsoft.com/office/drawing/2010/main">
+                <a:solidFill>
+                  <a:srgbClr val="FFFFFF"/>
+                </a:solidFill>
+              </a14:hiddenFill>
+            </a:ext>
+            <a:ext uri="{91240B29-F687-4F45-9708-019B960494DF}">
+              <a14:hiddenLine xmlns:a14="http://schemas.microsoft.com/office/drawing/2010/main" w="9525">
+                <a:solidFill>
+                  <a:srgbClr val="000000"/>
+                </a:solidFill>
+                <a:miter lim="800000"/>
+                <a:headEnd/>
+                <a:tailEnd/>
+              </a14:hiddenLine>
+            </a:ext>
+          </a:extLst>
+        </p:spPr>
+        <p:txBody>
+          <a:bodyPr wrap="square">
+            <a:spAutoFit/>
+          </a:bodyPr>
+          <a:lstStyle>
+            <a:lvl1pPr marL="228600" indent="-228600">
+              <a:defRPr>
+                <a:solidFill>
+                  <a:schemeClr val="tx1"/>
+                </a:solidFill>
+                <a:latin typeface="Century Gothic" panose="020B0502020202020204" pitchFamily="34" charset="0"/>
+                <a:ea typeface="微软雅黑" panose="020B0503020204020204" charset="-122"/>
+              </a:defRPr>
+            </a:lvl1pPr>
+            <a:lvl2pPr marL="742950" indent="-285750">
+              <a:defRPr>
+                <a:solidFill>
+                  <a:schemeClr val="tx1"/>
+                </a:solidFill>
+                <a:latin typeface="Century Gothic" panose="020B0502020202020204" pitchFamily="34" charset="0"/>
+                <a:ea typeface="微软雅黑" panose="020B0503020204020204" charset="-122"/>
+              </a:defRPr>
+            </a:lvl2pPr>
+            <a:lvl3pPr marL="1143000" indent="-228600">
+              <a:defRPr>
+                <a:solidFill>
+                  <a:schemeClr val="tx1"/>
+                </a:solidFill>
+                <a:latin typeface="Century Gothic" panose="020B0502020202020204" pitchFamily="34" charset="0"/>
+                <a:ea typeface="微软雅黑" panose="020B0503020204020204" charset="-122"/>
+              </a:defRPr>
+            </a:lvl3pPr>
+            <a:lvl4pPr marL="1600200" indent="-228600">
+              <a:defRPr>
+                <a:solidFill>
+                  <a:schemeClr val="tx1"/>
+                </a:solidFill>
+                <a:latin typeface="Century Gothic" panose="020B0502020202020204" pitchFamily="34" charset="0"/>
+                <a:ea typeface="微软雅黑" panose="020B0503020204020204" charset="-122"/>
+              </a:defRPr>
+            </a:lvl4pPr>
+            <a:lvl5pPr marL="2057400" indent="-228600">
+              <a:defRPr>
+                <a:solidFill>
+                  <a:schemeClr val="tx1"/>
+                </a:solidFill>
+                <a:latin typeface="Century Gothic" panose="020B0502020202020204" pitchFamily="34" charset="0"/>
+                <a:ea typeface="微软雅黑" panose="020B0503020204020204" charset="-122"/>
+              </a:defRPr>
+            </a:lvl5pPr>
+            <a:lvl6pPr marL="2514600" indent="-228600" fontAlgn="base">
+              <a:spcBef>
+                <a:spcPct val="0"/>
+              </a:spcBef>
+              <a:spcAft>
+                <a:spcPct val="0"/>
+              </a:spcAft>
+              <a:defRPr>
+                <a:solidFill>
+                  <a:schemeClr val="tx1"/>
+                </a:solidFill>
+                <a:latin typeface="Century Gothic" panose="020B0502020202020204" pitchFamily="34" charset="0"/>
+                <a:ea typeface="微软雅黑" panose="020B0503020204020204" charset="-122"/>
+              </a:defRPr>
+            </a:lvl6pPr>
+            <a:lvl7pPr marL="2971800" indent="-228600" fontAlgn="base">
+              <a:spcBef>
+                <a:spcPct val="0"/>
+              </a:spcBef>
+              <a:spcAft>
+                <a:spcPct val="0"/>
+              </a:spcAft>
+              <a:defRPr>
+                <a:solidFill>
+                  <a:schemeClr val="tx1"/>
+                </a:solidFill>
+                <a:latin typeface="Century Gothic" panose="020B0502020202020204" pitchFamily="34" charset="0"/>
+                <a:ea typeface="微软雅黑" panose="020B0503020204020204" charset="-122"/>
+              </a:defRPr>
+            </a:lvl7pPr>
+            <a:lvl8pPr marL="3429000" indent="-228600" fontAlgn="base">
+              <a:spcBef>
+                <a:spcPct val="0"/>
+              </a:spcBef>
+              <a:spcAft>
+                <a:spcPct val="0"/>
+              </a:spcAft>
+              <a:defRPr>
+                <a:solidFill>
+                  <a:schemeClr val="tx1"/>
+                </a:solidFill>
+                <a:latin typeface="Century Gothic" panose="020B0502020202020204" pitchFamily="34" charset="0"/>
+                <a:ea typeface="微软雅黑" panose="020B0503020204020204" charset="-122"/>
+              </a:defRPr>
+            </a:lvl8pPr>
+            <a:lvl9pPr marL="3886200" indent="-228600" fontAlgn="base">
+              <a:spcBef>
+                <a:spcPct val="0"/>
+              </a:spcBef>
+              <a:spcAft>
+                <a:spcPct val="0"/>
+              </a:spcAft>
+              <a:defRPr>
+                <a:solidFill>
+                  <a:schemeClr val="tx1"/>
+                </a:solidFill>
+                <a:latin typeface="Century Gothic" panose="020B0502020202020204" pitchFamily="34" charset="0"/>
+                <a:ea typeface="微软雅黑" panose="020B0503020204020204" charset="-122"/>
+              </a:defRPr>
+            </a:lvl9pPr>
+          </a:lstStyle>
+          <a:p>
+            <a:pPr algn="ctr" eaLnBrk="1" hangingPunct="1">
+              <a:defRPr/>
+            </a:pPr>
+            <a:r>
+              <a:rPr lang="en-US" altLang="zh-CN" sz="3600" b="1" dirty="0">
+                <a:solidFill>
+                  <a:schemeClr val="bg1"/>
+                </a:solidFill>
+              </a:rPr>
+              <a:t>3</a:t>
+            </a:r>
+            <a:endParaRPr lang="zh-CN" altLang="en-US" sz="3600" b="1" dirty="0">
+              <a:solidFill>
+                <a:schemeClr val="bg1"/>
+              </a:solidFill>
+            </a:endParaRPr>
+          </a:p>
+        </p:txBody>
+      </p:sp>
+      <p:grpSp>
+        <p:nvGrpSpPr>
+          <p:cNvPr id="11" name="组合 10"/>
+          <p:cNvGrpSpPr/>
+          <p:nvPr/>
+        </p:nvGrpSpPr>
+        <p:grpSpPr>
+          <a:xfrm>
             <a:off x="536790" y="1197864"/>
             <a:ext cx="11118422" cy="4764024"/>
             <a:chOff x="658659" y="2188316"/>
@@ -31865,7 +32451,7 @@
 </p:sld>
 </file>
 
-<file path=ppt/slides/slide11.xml><?xml version="1.0" encoding="utf-8"?>
+<file path=ppt/slides/slide12.xml><?xml version="1.0" encoding="utf-8"?>
 <p:sld xmlns:a="http://schemas.openxmlformats.org/drawingml/2006/main" xmlns:r="http://schemas.openxmlformats.org/officeDocument/2006/relationships" xmlns:p="http://schemas.openxmlformats.org/presentationml/2006/main">
   <p:cSld>
     <p:spTree>
@@ -32244,7 +32830,7 @@
               </a:r>
               <a:r>
                 <a:rPr lang="zh-CN" altLang="en-US" spc="100" dirty="0"/>
-                <a:t>进行测试，分析性能数据</a:t>
+                <a:t>进行测试，分析其读写性能数据</a:t>
               </a:r>
               <a:endParaRPr lang="en-US" altLang="zh-CN" spc="100" dirty="0"/>
             </a:p>
@@ -32286,7 +32872,21 @@
               </a:pPr>
               <a:r>
                 <a:rPr lang="zh-CN" altLang="en-US" spc="100" dirty="0"/>
-                <a:t>利用数据库扩展实现文件元数据的增删改查，对比传统文件系统实现此功能带来的</a:t>
+                <a:t>完成数据库移植的正确性检查</a:t>
+              </a:r>
+              <a:endParaRPr lang="en-US" altLang="zh-CN" spc="100" dirty="0"/>
+            </a:p>
+            <a:p>
+              <a:pPr marL="285750" indent="-285750" algn="just">
+                <a:lnSpc>
+                  <a:spcPct val="150000"/>
+                </a:lnSpc>
+                <a:buFont typeface="Arial" panose="020B0604020202020204" pitchFamily="34" charset="0"/>
+                <a:buChar char="•"/>
+              </a:pPr>
+              <a:r>
+                <a:rPr lang="zh-CN" altLang="en-US" spc="100" dirty="0"/>
+                <a:t>利用数据库扩展实现文件元数据的增删改查，对比传统文件系统实现此功能带来的开销</a:t>
               </a:r>
               <a:endParaRPr lang="en-US" altLang="zh-CN" spc="100" dirty="0"/>
             </a:p>
@@ -32309,7 +32909,7 @@
 </p:sld>
 </file>
 
-<file path=ppt/slides/slide12.xml><?xml version="1.0" encoding="utf-8"?>
+<file path=ppt/slides/slide13.xml><?xml version="1.0" encoding="utf-8"?>
 <p:sld xmlns:a="http://schemas.openxmlformats.org/drawingml/2006/main" xmlns:r="http://schemas.openxmlformats.org/officeDocument/2006/relationships" xmlns:p="http://schemas.openxmlformats.org/presentationml/2006/main">
   <p:cSld>
     <p:spTree>
@@ -32807,7 +33407,7 @@
 </p:sld>
 </file>
 
-<file path=ppt/slides/slide13.xml><?xml version="1.0" encoding="utf-8"?>
+<file path=ppt/slides/slide14.xml><?xml version="1.0" encoding="utf-8"?>
 <p:sld xmlns:a="http://schemas.openxmlformats.org/drawingml/2006/main" xmlns:r="http://schemas.openxmlformats.org/officeDocument/2006/relationships" xmlns:p="http://schemas.openxmlformats.org/presentationml/2006/main">
   <p:cSld>
     <p:spTree>
@@ -33012,7 +33612,7 @@
                   <a:schemeClr val="bg1"/>
                 </a:solidFill>
               </a:rPr>
-              <a:t>3</a:t>
+              <a:t>4</a:t>
             </a:r>
             <a:endParaRPr lang="zh-CN" altLang="en-US" sz="3600" b="1" dirty="0">
               <a:solidFill>
@@ -33072,6 +33672,72 @@
             <a:endParaRPr lang="en-US" altLang="zh-CN" spc="100" dirty="0"/>
           </a:p>
           <a:p>
+            <a:pPr marL="1200150" lvl="2" indent="-285750" algn="just">
+              <a:lnSpc>
+                <a:spcPct val="150000"/>
+              </a:lnSpc>
+              <a:buFont typeface="Arial" panose="020B0604020202020204" pitchFamily="34" charset="0"/>
+              <a:buChar char="•"/>
+            </a:pPr>
+            <a:r>
+              <a:rPr lang="zh-CN" altLang="en-US" spc="100" dirty="0"/>
+              <a:t>文件与目录可以一个</a:t>
+            </a:r>
+            <a:r>
+              <a:rPr lang="en-US" altLang="zh-CN" spc="100" dirty="0"/>
+              <a:t>key</a:t>
+            </a:r>
+            <a:r>
+              <a:rPr lang="zh-CN" altLang="en-US" spc="100" dirty="0"/>
+              <a:t>存在，而不需要特殊的</a:t>
+            </a:r>
+            <a:r>
+              <a:rPr lang="en-US" altLang="zh-CN" spc="100" dirty="0" err="1"/>
+              <a:t>inode</a:t>
+            </a:r>
+            <a:r>
+              <a:rPr lang="zh-CN" altLang="en-US" spc="100" dirty="0"/>
+              <a:t>设计</a:t>
+            </a:r>
+            <a:endParaRPr lang="en-US" altLang="zh-CN" spc="100" dirty="0"/>
+          </a:p>
+          <a:p>
+            <a:pPr marL="1200150" lvl="2" indent="-285750" algn="just">
+              <a:lnSpc>
+                <a:spcPct val="150000"/>
+              </a:lnSpc>
+              <a:buFont typeface="Arial" panose="020B0604020202020204" pitchFamily="34" charset="0"/>
+              <a:buChar char="•"/>
+            </a:pPr>
+            <a:r>
+              <a:rPr lang="zh-CN" altLang="en-US" spc="100" dirty="0"/>
+              <a:t>简单模拟传统的层级文件系统</a:t>
+            </a:r>
+            <a:endParaRPr lang="en-US" altLang="zh-CN" spc="100" dirty="0"/>
+          </a:p>
+          <a:p>
+            <a:pPr marL="1200150" lvl="2" indent="-285750" algn="just">
+              <a:lnSpc>
+                <a:spcPct val="150000"/>
+              </a:lnSpc>
+              <a:buFont typeface="Arial" panose="020B0604020202020204" pitchFamily="34" charset="0"/>
+              <a:buChar char="•"/>
+            </a:pPr>
+            <a:r>
+              <a:rPr lang="zh-CN" altLang="en-US" spc="100" dirty="0"/>
+              <a:t>简化硬链接</a:t>
+            </a:r>
+            <a:r>
+              <a:rPr lang="en-US" altLang="zh-CN" spc="100" dirty="0"/>
+              <a:t>/</a:t>
+            </a:r>
+            <a:r>
+              <a:rPr lang="zh-CN" altLang="en-US" spc="100" dirty="0"/>
+              <a:t>软链接的实现</a:t>
+            </a:r>
+            <a:endParaRPr lang="en-US" altLang="zh-CN" spc="100" dirty="0"/>
+          </a:p>
+          <a:p>
             <a:pPr marL="742950" lvl="1" indent="-285750" algn="just">
               <a:lnSpc>
                 <a:spcPct val="150000"/>
@@ -33082,6 +33748,20 @@
             <a:r>
               <a:rPr lang="zh-CN" altLang="en-US" spc="100" dirty="0"/>
               <a:t>基于功能更完善，特性更多的数据库实现文件系统</a:t>
+            </a:r>
+            <a:endParaRPr lang="en-US" altLang="zh-CN" spc="100" dirty="0"/>
+          </a:p>
+          <a:p>
+            <a:pPr marL="1200150" lvl="2" indent="-285750" algn="just">
+              <a:lnSpc>
+                <a:spcPct val="150000"/>
+              </a:lnSpc>
+              <a:buFont typeface="Arial" panose="020B0604020202020204" pitchFamily="34" charset="0"/>
+              <a:buChar char="•"/>
+            </a:pPr>
+            <a:r>
+              <a:rPr lang="zh-CN" altLang="en-US" spc="100" dirty="0"/>
+              <a:t>不同的数据库提供不同的特性，影响文件系统的设计实现</a:t>
             </a:r>
             <a:endParaRPr lang="en-US" altLang="zh-CN" spc="100" dirty="0"/>
           </a:p>
@@ -33165,7 +33845,7 @@
 </p:sld>
 </file>
 
-<file path=ppt/slides/slide14.xml><?xml version="1.0" encoding="utf-8"?>
+<file path=ppt/slides/slide15.xml><?xml version="1.0" encoding="utf-8"?>
 <p:sld xmlns:a="http://schemas.openxmlformats.org/drawingml/2006/main" xmlns:r="http://schemas.openxmlformats.org/officeDocument/2006/relationships" xmlns:p="http://schemas.openxmlformats.org/presentationml/2006/main">
   <p:cSld>
     <p:spTree>
@@ -33629,7 +34309,7 @@
                   <a:schemeClr val="bg1"/>
                 </a:solidFill>
               </a:rPr>
-              <a:t>4</a:t>
+              <a:t>5</a:t>
             </a:r>
           </a:p>
         </p:txBody>
@@ -33649,14 +34329,388 @@
           <p:nvPr>
             <p:extLst>
               <p:ext uri="{D42A27DB-BD31-4B8C-83A1-F6EECF244321}">
-                <p14:modId xmlns:p14="http://schemas.microsoft.com/office/powerpoint/2010/main" val="3945892949"/>
+                <p14:modId xmlns:p14="http://schemas.microsoft.com/office/powerpoint/2010/main" val="683994397"/>
               </p:ext>
             </p:extLst>
           </p:nvPr>
         </p:nvGraphicFramePr>
         <p:xfrm>
           <a:off x="764337" y="1125538"/>
-          <a:ext cx="10628874" cy="4936840"/>
+          <a:ext cx="10628874" cy="4596116"/>
+        </p:xfrm>
+        <a:graphic>
+          <a:graphicData uri="http://schemas.openxmlformats.org/drawingml/2006/table">
+            <a:tbl>
+              <a:tblPr firstRow="1" bandRow="1">
+                <a:tableStyleId>{5C22544A-7EE6-4342-B048-85BDC9FD1C3A}</a:tableStyleId>
+              </a:tblPr>
+              <a:tblGrid>
+                <a:gridCol w="2472639">
+                  <a:extLst>
+                    <a:ext uri="{9D8B030D-6E8A-4147-A177-3AD203B41FA5}">
+                      <a16:colId xmlns:a16="http://schemas.microsoft.com/office/drawing/2014/main" val="2178551751"/>
+                    </a:ext>
+                  </a:extLst>
+                </a:gridCol>
+                <a:gridCol w="8156235">
+                  <a:extLst>
+                    <a:ext uri="{9D8B030D-6E8A-4147-A177-3AD203B41FA5}">
+                      <a16:colId xmlns:a16="http://schemas.microsoft.com/office/drawing/2014/main" val="976313567"/>
+                    </a:ext>
+                  </a:extLst>
+                </a:gridCol>
+              </a:tblGrid>
+              <a:tr h="560698">
+                <a:tc>
+                  <a:txBody>
+                    <a:bodyPr/>
+                    <a:lstStyle/>
+                    <a:p>
+                      <a:pPr algn="ctr"/>
+                      <a:r>
+                        <a:rPr lang="zh-CN" altLang="en-US" dirty="0"/>
+                        <a:t>时间</a:t>
+                      </a:r>
+                    </a:p>
+                  </a:txBody>
+                  <a:tcPr/>
+                </a:tc>
+                <a:tc>
+                  <a:txBody>
+                    <a:bodyPr/>
+                    <a:lstStyle/>
+                    <a:p>
+                      <a:pPr algn="ctr"/>
+                      <a:r>
+                        <a:rPr lang="zh-CN" altLang="en-US" dirty="0"/>
+                        <a:t>工作</a:t>
+                      </a:r>
+                    </a:p>
+                  </a:txBody>
+                  <a:tcPr/>
+                </a:tc>
+                <a:extLst>
+                  <a:ext uri="{0D108BD9-81ED-4DB2-BD59-A6C34878D82A}">
+                    <a16:rowId xmlns:a16="http://schemas.microsoft.com/office/drawing/2014/main" val="1485200229"/>
+                  </a:ext>
+                </a:extLst>
+              </a:tr>
+              <a:tr h="560698">
+                <a:tc>
+                  <a:txBody>
+                    <a:bodyPr/>
+                    <a:lstStyle/>
+                    <a:p>
+                      <a:r>
+                        <a:rPr lang="en-US" altLang="zh-CN" dirty="0"/>
+                        <a:t>2022.12-2023.1</a:t>
+                      </a:r>
+                      <a:endParaRPr lang="zh-CN" altLang="en-US" dirty="0"/>
+                    </a:p>
+                  </a:txBody>
+                  <a:tcPr/>
+                </a:tc>
+                <a:tc>
+                  <a:txBody>
+                    <a:bodyPr/>
+                    <a:lstStyle/>
+                    <a:p>
+                      <a:r>
+                        <a:rPr lang="zh-CN" altLang="en-US" dirty="0"/>
+                        <a:t>参与选题并完成开题报告</a:t>
+                      </a:r>
+                    </a:p>
+                  </a:txBody>
+                  <a:tcPr/>
+                </a:tc>
+                <a:extLst>
+                  <a:ext uri="{0D108BD9-81ED-4DB2-BD59-A6C34878D82A}">
+                    <a16:rowId xmlns:a16="http://schemas.microsoft.com/office/drawing/2014/main" val="3856685629"/>
+                  </a:ext>
+                </a:extLst>
+              </a:tr>
+              <a:tr h="1869562">
+                <a:tc>
+                  <a:txBody>
+                    <a:bodyPr/>
+                    <a:lstStyle/>
+                    <a:p>
+                      <a:r>
+                        <a:rPr lang="en-US" altLang="zh-CN" dirty="0"/>
+                        <a:t>2023.1-2023.2</a:t>
+                      </a:r>
+                      <a:endParaRPr lang="zh-CN" altLang="en-US" dirty="0"/>
+                    </a:p>
+                  </a:txBody>
+                  <a:tcPr/>
+                </a:tc>
+                <a:tc>
+                  <a:txBody>
+                    <a:bodyPr/>
+                    <a:lstStyle/>
+                    <a:p>
+                      <a:r>
+                        <a:rPr lang="zh-CN" altLang="en-US" dirty="0"/>
+                        <a:t>分析数据库实现，将数据库移植到 </a:t>
+                      </a:r>
+                      <a:r>
+                        <a:rPr lang="en-US" altLang="zh-CN" dirty="0" err="1"/>
+                        <a:t>riscv</a:t>
+                      </a:r>
+                      <a:r>
+                        <a:rPr lang="en-US" altLang="zh-CN" dirty="0"/>
+                        <a:t> </a:t>
+                      </a:r>
+                      <a:r>
+                        <a:rPr lang="zh-CN" altLang="en-US" dirty="0"/>
+                        <a:t>裸机平台，设计文件系统实现方式，完成文件系统的基本功能。</a:t>
+                      </a:r>
+                      <a:endParaRPr lang="en-US" altLang="zh-CN" dirty="0"/>
+                    </a:p>
+                    <a:p>
+                      <a:pPr marL="285750" indent="-285750">
+                        <a:buFont typeface="Arial" panose="020B0604020202020204" pitchFamily="34" charset="0"/>
+                        <a:buChar char="•"/>
+                      </a:pPr>
+                      <a:r>
+                        <a:rPr lang="zh-CN" altLang="en-US" dirty="0"/>
+                        <a:t>修改数据库接口，在不影响其原有功能的基础上可以自定义底层文件依赖</a:t>
+                      </a:r>
+                      <a:endParaRPr lang="en-US" altLang="zh-CN" dirty="0"/>
+                    </a:p>
+                    <a:p>
+                      <a:pPr marL="285750" indent="-285750">
+                        <a:buFont typeface="Arial" panose="020B0604020202020204" pitchFamily="34" charset="0"/>
+                        <a:buChar char="•"/>
+                      </a:pPr>
+                      <a:r>
+                        <a:rPr lang="zh-CN" altLang="en-US" dirty="0"/>
+                        <a:t>在</a:t>
+                      </a:r>
+                      <a:r>
+                        <a:rPr lang="en-US" altLang="zh-CN" dirty="0" err="1"/>
+                        <a:t>qemu</a:t>
+                      </a:r>
+                      <a:r>
+                        <a:rPr lang="zh-CN" altLang="en-US" dirty="0"/>
+                        <a:t>模拟的</a:t>
+                      </a:r>
+                      <a:r>
+                        <a:rPr lang="en-US" altLang="zh-CN" dirty="0" err="1"/>
+                        <a:t>riscv</a:t>
+                      </a:r>
+                      <a:r>
+                        <a:rPr lang="zh-CN" altLang="en-US" dirty="0"/>
+                        <a:t>平台上实现定义的接口，使得</a:t>
+                      </a:r>
+                      <a:r>
+                        <a:rPr lang="en-US" altLang="zh-CN" dirty="0" err="1"/>
+                        <a:t>jammdb</a:t>
+                      </a:r>
+                      <a:r>
+                        <a:rPr lang="zh-CN" altLang="en-US" dirty="0"/>
+                        <a:t>可以运行与裸机上</a:t>
+                      </a:r>
+                      <a:endParaRPr lang="en-US" altLang="zh-CN" dirty="0"/>
+                    </a:p>
+                    <a:p>
+                      <a:pPr marL="285750" indent="-285750">
+                        <a:buFont typeface="Arial" panose="020B0604020202020204" pitchFamily="34" charset="0"/>
+                        <a:buChar char="•"/>
+                      </a:pPr>
+                      <a:r>
+                        <a:rPr lang="zh-CN" altLang="en-US" dirty="0"/>
+                        <a:t>根据数据库的数据结构或者自定义数据结构完成层级文件系统的抽象和实现</a:t>
+                      </a:r>
+                      <a:endParaRPr lang="en-US" altLang="zh-CN" dirty="0"/>
+                    </a:p>
+                    <a:p>
+                      <a:pPr marL="285750" indent="-285750">
+                        <a:buFont typeface="Arial" panose="020B0604020202020204" pitchFamily="34" charset="0"/>
+                        <a:buChar char="•"/>
+                      </a:pPr>
+                      <a:r>
+                        <a:rPr lang="zh-CN" altLang="en-US" dirty="0"/>
+                        <a:t>实现</a:t>
+                      </a:r>
+                      <a:r>
+                        <a:rPr lang="en-US" altLang="zh-CN" dirty="0"/>
+                        <a:t>POSIX</a:t>
+                      </a:r>
+                      <a:r>
+                        <a:rPr lang="zh-CN" altLang="en-US" dirty="0"/>
+                        <a:t>定义的大部分文件系统调用接口</a:t>
+                      </a:r>
+                      <a:endParaRPr lang="en-US" altLang="zh-CN" dirty="0"/>
+                    </a:p>
+                  </a:txBody>
+                  <a:tcPr/>
+                </a:tc>
+                <a:extLst>
+                  <a:ext uri="{0D108BD9-81ED-4DB2-BD59-A6C34878D82A}">
+                    <a16:rowId xmlns:a16="http://schemas.microsoft.com/office/drawing/2014/main" val="2204314298"/>
+                  </a:ext>
+                </a:extLst>
+              </a:tr>
+              <a:tr h="1359682">
+                <a:tc>
+                  <a:txBody>
+                    <a:bodyPr/>
+                    <a:lstStyle/>
+                    <a:p>
+                      <a:r>
+                        <a:rPr lang="en-US" altLang="zh-CN" dirty="0"/>
+                        <a:t>2023.2-2023.3</a:t>
+                      </a:r>
+                      <a:endParaRPr lang="zh-CN" altLang="en-US" dirty="0"/>
+                    </a:p>
+                  </a:txBody>
+                  <a:tcPr/>
+                </a:tc>
+                <a:tc>
+                  <a:txBody>
+                    <a:bodyPr/>
+                    <a:lstStyle/>
+                    <a:p>
+                      <a:r>
+                        <a:rPr lang="zh-CN" altLang="en-US" dirty="0"/>
+                        <a:t>完成文件系统的高级功能，优化文件系统的实现，提高文件系统性能</a:t>
+                      </a:r>
+                      <a:endParaRPr lang="en-US" altLang="zh-CN" dirty="0"/>
+                    </a:p>
+                    <a:p>
+                      <a:pPr marL="285750" indent="-285750">
+                        <a:buFont typeface="Arial" panose="020B0604020202020204" pitchFamily="34" charset="0"/>
+                        <a:buChar char="•"/>
+                      </a:pPr>
+                      <a:r>
+                        <a:rPr lang="zh-CN" altLang="en-US" dirty="0"/>
+                        <a:t>针对文件内容存储方式，优化文件读写性能</a:t>
+                      </a:r>
+                      <a:endParaRPr lang="en-US" altLang="zh-CN" dirty="0"/>
+                    </a:p>
+                    <a:p>
+                      <a:pPr marL="285750" indent="-285750">
+                        <a:buFont typeface="Arial" panose="020B0604020202020204" pitchFamily="34" charset="0"/>
+                        <a:buChar char="•"/>
+                      </a:pPr>
+                      <a:r>
+                        <a:rPr lang="zh-CN" altLang="en-US" dirty="0"/>
+                        <a:t>直接导出数据库接口，使得用户在同一块存储设备上既可以使用数据库也可以使用文件系统</a:t>
+                      </a:r>
+                      <a:endParaRPr lang="en-US" altLang="zh-CN" dirty="0"/>
+                    </a:p>
+                    <a:p>
+                      <a:pPr marL="285750" indent="-285750">
+                        <a:buFont typeface="Arial" panose="020B0604020202020204" pitchFamily="34" charset="0"/>
+                        <a:buChar char="•"/>
+                      </a:pPr>
+                      <a:r>
+                        <a:rPr lang="zh-CN" altLang="en-US" dirty="0"/>
+                        <a:t>针对数据库的</a:t>
+                      </a:r>
+                      <a:r>
+                        <a:rPr lang="en-US" altLang="zh-CN" dirty="0"/>
+                        <a:t>key-value</a:t>
+                      </a:r>
+                      <a:r>
+                        <a:rPr lang="zh-CN" altLang="en-US" dirty="0"/>
+                        <a:t>带来的便利，实现用户对文件元数据的扩展</a:t>
+                      </a:r>
+                      <a:endParaRPr lang="en-US" altLang="zh-CN" dirty="0"/>
+                    </a:p>
+                  </a:txBody>
+                  <a:tcPr/>
+                </a:tc>
+                <a:extLst>
+                  <a:ext uri="{0D108BD9-81ED-4DB2-BD59-A6C34878D82A}">
+                    <a16:rowId xmlns:a16="http://schemas.microsoft.com/office/drawing/2014/main" val="1928226010"/>
+                  </a:ext>
+                </a:extLst>
+              </a:tr>
+            </a:tbl>
+          </a:graphicData>
+        </a:graphic>
+      </p:graphicFrame>
+    </p:spTree>
+  </p:cSld>
+  <p:clrMapOvr>
+    <a:masterClrMapping/>
+  </p:clrMapOvr>
+  <p:transition spd="med">
+    <p:pull/>
+  </p:transition>
+</p:sld>
+</file>
+
+<file path=ppt/slides/slide16.xml><?xml version="1.0" encoding="utf-8"?>
+<p:sld xmlns:a="http://schemas.openxmlformats.org/drawingml/2006/main" xmlns:r="http://schemas.openxmlformats.org/officeDocument/2006/relationships" xmlns:p="http://schemas.openxmlformats.org/presentationml/2006/main">
+  <p:cSld>
+    <p:spTree>
+      <p:nvGrpSpPr>
+        <p:cNvPr id="1" name=""/>
+        <p:cNvGrpSpPr/>
+        <p:nvPr/>
+      </p:nvGrpSpPr>
+      <p:grpSpPr>
+        <a:xfrm>
+          <a:off x="0" y="0"/>
+          <a:ext cx="0" cy="0"/>
+          <a:chOff x="0" y="0"/>
+          <a:chExt cx="0" cy="0"/>
+        </a:xfrm>
+      </p:grpSpPr>
+      <p:sp>
+        <p:nvSpPr>
+          <p:cNvPr id="2" name="标题 1">
+            <a:extLst>
+              <a:ext uri="{FF2B5EF4-FFF2-40B4-BE49-F238E27FC236}">
+                <a16:creationId xmlns:a16="http://schemas.microsoft.com/office/drawing/2014/main" id="{975AE9FE-094F-4477-B994-DBE4AFF3DF33}"/>
+              </a:ext>
+            </a:extLst>
+          </p:cNvPr>
+          <p:cNvSpPr>
+            <a:spLocks noGrp="1"/>
+          </p:cNvSpPr>
+          <p:nvPr>
+            <p:ph type="title"/>
+          </p:nvPr>
+        </p:nvSpPr>
+        <p:spPr/>
+        <p:txBody>
+          <a:bodyPr/>
+          <a:lstStyle/>
+          <a:p>
+            <a:r>
+              <a:rPr lang="zh-CN" altLang="en-US" dirty="0"/>
+              <a:t>时间安排</a:t>
+            </a:r>
+          </a:p>
+        </p:txBody>
+      </p:sp>
+      <p:graphicFrame>
+        <p:nvGraphicFramePr>
+          <p:cNvPr id="3" name="表格 3">
+            <a:extLst>
+              <a:ext uri="{FF2B5EF4-FFF2-40B4-BE49-F238E27FC236}">
+                <a16:creationId xmlns:a16="http://schemas.microsoft.com/office/drawing/2014/main" id="{0BFAEA2B-F736-49B2-AF02-C4447D067FA9}"/>
+              </a:ext>
+            </a:extLst>
+          </p:cNvPr>
+          <p:cNvGraphicFramePr>
+            <a:graphicFrameLocks noGrp="1"/>
+          </p:cNvGraphicFramePr>
+          <p:nvPr>
+            <p:extLst>
+              <p:ext uri="{D42A27DB-BD31-4B8C-83A1-F6EECF244321}">
+                <p14:modId xmlns:p14="http://schemas.microsoft.com/office/powerpoint/2010/main" val="2614471648"/>
+              </p:ext>
+            </p:extLst>
+          </p:nvPr>
+        </p:nvGraphicFramePr>
+        <p:xfrm>
+          <a:off x="614037" y="1600568"/>
+          <a:ext cx="10628874" cy="4150640"/>
         </p:xfrm>
         <a:graphic>
           <a:graphicData uri="http://schemas.openxmlformats.org/drawingml/2006/table">
@@ -33723,132 +34777,6 @@
                     <a:p>
                       <a:r>
                         <a:rPr lang="en-US" altLang="zh-CN" dirty="0"/>
-                        <a:t>2022.12-2023.1</a:t>
-                      </a:r>
-                      <a:endParaRPr lang="zh-CN" altLang="en-US" dirty="0"/>
-                    </a:p>
-                  </a:txBody>
-                  <a:tcPr/>
-                </a:tc>
-                <a:tc>
-                  <a:txBody>
-                    <a:bodyPr/>
-                    <a:lstStyle/>
-                    <a:p>
-                      <a:r>
-                        <a:rPr lang="zh-CN" altLang="en-US" dirty="0"/>
-                        <a:t>参与选题并完成开题报告</a:t>
-                      </a:r>
-                    </a:p>
-                  </a:txBody>
-                  <a:tcPr/>
-                </a:tc>
-                <a:extLst>
-                  <a:ext uri="{0D108BD9-81ED-4DB2-BD59-A6C34878D82A}">
-                    <a16:rowId xmlns:a16="http://schemas.microsoft.com/office/drawing/2014/main" val="3856685629"/>
-                  </a:ext>
-                </a:extLst>
-              </a:tr>
-              <a:tr h="603320">
-                <a:tc>
-                  <a:txBody>
-                    <a:bodyPr/>
-                    <a:lstStyle/>
-                    <a:p>
-                      <a:r>
-                        <a:rPr lang="en-US" altLang="zh-CN" dirty="0"/>
-                        <a:t>2023.1-2023.2</a:t>
-                      </a:r>
-                      <a:endParaRPr lang="zh-CN" altLang="en-US" dirty="0"/>
-                    </a:p>
-                  </a:txBody>
-                  <a:tcPr/>
-                </a:tc>
-                <a:tc>
-                  <a:txBody>
-                    <a:bodyPr/>
-                    <a:lstStyle/>
-                    <a:p>
-                      <a:r>
-                        <a:rPr lang="zh-CN" altLang="en-US" dirty="0"/>
-                        <a:t>分析数据库实现，将数据库移植到 </a:t>
-                      </a:r>
-                      <a:r>
-                        <a:rPr lang="en-US" altLang="zh-CN" dirty="0" err="1"/>
-                        <a:t>riscv</a:t>
-                      </a:r>
-                      <a:r>
-                        <a:rPr lang="en-US" altLang="zh-CN" dirty="0"/>
-                        <a:t> </a:t>
-                      </a:r>
-                      <a:r>
-                        <a:rPr lang="zh-CN" altLang="en-US" dirty="0"/>
-                        <a:t>裸机平台，设计文件系</a:t>
-                      </a:r>
-                    </a:p>
-                    <a:p>
-                      <a:r>
-                        <a:rPr lang="zh-CN" altLang="en-US" dirty="0"/>
-                        <a:t>统实现方式，完成文件系统的基本功能。</a:t>
-                      </a:r>
-                    </a:p>
-                  </a:txBody>
-                  <a:tcPr/>
-                </a:tc>
-                <a:extLst>
-                  <a:ext uri="{0D108BD9-81ED-4DB2-BD59-A6C34878D82A}">
-                    <a16:rowId xmlns:a16="http://schemas.microsoft.com/office/drawing/2014/main" val="2204314298"/>
-                  </a:ext>
-                </a:extLst>
-              </a:tr>
-              <a:tr h="603320">
-                <a:tc>
-                  <a:txBody>
-                    <a:bodyPr/>
-                    <a:lstStyle/>
-                    <a:p>
-                      <a:r>
-                        <a:rPr lang="en-US" altLang="zh-CN" dirty="0"/>
-                        <a:t>2023.2-2023.3</a:t>
-                      </a:r>
-                      <a:endParaRPr lang="zh-CN" altLang="en-US" dirty="0"/>
-                    </a:p>
-                  </a:txBody>
-                  <a:tcPr/>
-                </a:tc>
-                <a:tc>
-                  <a:txBody>
-                    <a:bodyPr/>
-                    <a:lstStyle/>
-                    <a:p>
-                      <a:r>
-                        <a:rPr lang="zh-CN" altLang="en-US" dirty="0"/>
-                        <a:t>完成文件系统的高级功能，优化文件系统的实现，提高文件系统</a:t>
-                      </a:r>
-                    </a:p>
-                    <a:p>
-                      <a:r>
-                        <a:rPr lang="zh-CN" altLang="en-US" dirty="0"/>
-                        <a:t>性能</a:t>
-                      </a:r>
-                    </a:p>
-                  </a:txBody>
-                  <a:tcPr/>
-                </a:tc>
-                <a:extLst>
-                  <a:ext uri="{0D108BD9-81ED-4DB2-BD59-A6C34878D82A}">
-                    <a16:rowId xmlns:a16="http://schemas.microsoft.com/office/drawing/2014/main" val="1928226010"/>
-                  </a:ext>
-                </a:extLst>
-              </a:tr>
-              <a:tr h="603320">
-                <a:tc>
-                  <a:txBody>
-                    <a:bodyPr/>
-                    <a:lstStyle/>
-                    <a:p>
-                      <a:r>
-                        <a:rPr lang="en-US" altLang="zh-CN" dirty="0"/>
                         <a:t>2023.3-2023.4</a:t>
                       </a:r>
                       <a:endParaRPr lang="zh-CN" altLang="en-US" dirty="0"/>
@@ -33863,13 +34791,67 @@
                     <a:p>
                       <a:r>
                         <a:rPr lang="zh-CN" altLang="en-US" dirty="0"/>
-                        <a:t>将基于数据库的文件系统实现与其它文件系统进行对比分析，总</a:t>
+                        <a:t>将基于数据库的文件系统实现与其它文件系统进行对比分析，总结使用数据库系统构建文件系统带来的优势和不足之处。</a:t>
                       </a:r>
+                      <a:endParaRPr lang="en-US" altLang="zh-CN" dirty="0"/>
                     </a:p>
                     <a:p>
+                      <a:pPr marL="285750" indent="-285750">
+                        <a:buFont typeface="Arial" panose="020B0604020202020204" pitchFamily="34" charset="0"/>
+                        <a:buChar char="•"/>
+                      </a:pPr>
                       <a:r>
                         <a:rPr lang="zh-CN" altLang="en-US" dirty="0"/>
-                        <a:t>结使用数据库系统构建文件系统带来的优势和不足之处。</a:t>
+                        <a:t>完成</a:t>
+                      </a:r>
+                      <a:r>
+                        <a:rPr lang="en-US" altLang="zh-CN" dirty="0" err="1"/>
+                        <a:t>jammdb</a:t>
+                      </a:r>
+                      <a:r>
+                        <a:rPr lang="zh-CN" altLang="en-US" dirty="0"/>
+                        <a:t>的正确性测试</a:t>
+                      </a:r>
+                      <a:endParaRPr lang="en-US" altLang="zh-CN" dirty="0"/>
+                    </a:p>
+                    <a:p>
+                      <a:pPr marL="285750" indent="-285750">
+                        <a:buFont typeface="Arial" panose="020B0604020202020204" pitchFamily="34" charset="0"/>
+                        <a:buChar char="•"/>
+                      </a:pPr>
+                      <a:r>
+                        <a:rPr lang="zh-CN" altLang="en-US" dirty="0"/>
+                        <a:t>编写测例完成对文件系统实现的正确性测试</a:t>
+                      </a:r>
+                      <a:endParaRPr lang="en-US" altLang="zh-CN" dirty="0"/>
+                    </a:p>
+                    <a:p>
+                      <a:pPr marL="285750" indent="-285750">
+                        <a:buFont typeface="Arial" panose="020B0604020202020204" pitchFamily="34" charset="0"/>
+                        <a:buChar char="•"/>
+                      </a:pPr>
+                      <a:r>
+                        <a:rPr lang="zh-CN" altLang="en-US" dirty="0"/>
+                        <a:t>编写测例测试不同文件系统的性能，分析原因</a:t>
+                      </a:r>
+                      <a:endParaRPr lang="en-US" altLang="zh-CN" dirty="0"/>
+                    </a:p>
+                    <a:p>
+                      <a:pPr marL="285750" indent="-285750">
+                        <a:buFont typeface="Arial" panose="020B0604020202020204" pitchFamily="34" charset="0"/>
+                        <a:buChar char="•"/>
+                      </a:pPr>
+                      <a:r>
+                        <a:rPr lang="zh-CN" altLang="en-US" dirty="0"/>
+                        <a:t>编写测例使用</a:t>
+                      </a:r>
+                      <a:r>
+                        <a:rPr lang="en-US" altLang="zh-CN" dirty="0"/>
+                        <a:t>DBFS</a:t>
+                      </a:r>
+                      <a:r>
+                        <a:rPr lang="zh-CN" altLang="en-US" dirty="0"/>
+                        <a:t>的扩展功能，对比在传统文件中实现相关功能带来的代价</a:t>
                       </a:r>
                     </a:p>
                   </a:txBody>
@@ -33981,17 +34963,22 @@
         </a:graphic>
       </p:graphicFrame>
     </p:spTree>
+    <p:extLst>
+      <p:ext uri="{BB962C8B-B14F-4D97-AF65-F5344CB8AC3E}">
+        <p14:creationId xmlns:p14="http://schemas.microsoft.com/office/powerpoint/2010/main" val="2509912522"/>
+      </p:ext>
+    </p:extLst>
   </p:cSld>
   <p:clrMapOvr>
     <a:masterClrMapping/>
   </p:clrMapOvr>
   <p:transition spd="med">
-    <p:pull/>
+    <p:fade/>
   </p:transition>
 </p:sld>
 </file>
 
-<file path=ppt/slides/slide15.xml><?xml version="1.0" encoding="utf-8"?>
+<file path=ppt/slides/slide17.xml><?xml version="1.0" encoding="utf-8"?>
 <p:sld xmlns:a="http://schemas.openxmlformats.org/drawingml/2006/main" xmlns:r="http://schemas.openxmlformats.org/officeDocument/2006/relationships" xmlns:p="http://schemas.openxmlformats.org/presentationml/2006/main">
   <p:cSld>
     <p:spTree>
@@ -34688,7 +35675,7 @@
 </p:sld>
 </file>
 
-<file path=ppt/slides/slide16.xml><?xml version="1.0" encoding="utf-8"?>
+<file path=ppt/slides/slide18.xml><?xml version="1.0" encoding="utf-8"?>
 <p:sld xmlns:a="http://schemas.openxmlformats.org/drawingml/2006/main" xmlns:r="http://schemas.openxmlformats.org/officeDocument/2006/relationships" xmlns:p="http://schemas.openxmlformats.org/presentationml/2006/main">
   <p:cSld>
     <p:spTree>
@@ -35243,7 +36230,7 @@
           <p:spPr>
             <a:xfrm>
               <a:off x="8704421" y="2230747"/>
-              <a:ext cx="886781" cy="769441"/>
+              <a:ext cx="957313" cy="769441"/>
             </a:xfrm>
             <a:prstGeom prst="rect">
               <a:avLst/>
@@ -35272,7 +36259,7 @@
                     <a:lin ang="5400000" scaled="1"/>
                   </a:gradFill>
                 </a:rPr>
-                <a:t>04</a:t>
+                <a:t>05</a:t>
               </a:r>
               <a:endParaRPr lang="zh-CN" altLang="en-US" sz="4400" b="1" spc="300" dirty="0">
                 <a:gradFill>
@@ -35640,7 +36627,7 @@
         </p:nvGrpSpPr>
         <p:grpSpPr>
           <a:xfrm>
-            <a:off x="5461758" y="2996052"/>
+            <a:off x="5764210" y="2996052"/>
             <a:ext cx="2313305" cy="1227661"/>
             <a:chOff x="8704421" y="2230747"/>
             <a:chExt cx="2313305" cy="1227661"/>
@@ -38886,6 +39873,1152 @@
           <a:p>
             <a:r>
               <a:rPr lang="zh-CN" altLang="en-US" dirty="0"/>
+              <a:t>工作内容</a:t>
+            </a:r>
+          </a:p>
+        </p:txBody>
+      </p:sp>
+      <p:sp>
+        <p:nvSpPr>
+          <p:cNvPr id="53" name="文本框 52"/>
+          <p:cNvSpPr txBox="1">
+            <a:spLocks noChangeArrowheads="1"/>
+          </p:cNvSpPr>
+          <p:nvPr/>
+        </p:nvSpPr>
+        <p:spPr bwMode="auto">
+          <a:xfrm>
+            <a:off x="357352" y="235111"/>
+            <a:ext cx="969798" cy="646112"/>
+          </a:xfrm>
+          <a:prstGeom prst="rect">
+            <a:avLst/>
+          </a:prstGeom>
+          <a:noFill/>
+          <a:ln>
+            <a:noFill/>
+          </a:ln>
+          <a:extLst>
+            <a:ext uri="{909E8E84-426E-40DD-AFC4-6F175D3DCCD1}">
+              <a14:hiddenFill xmlns:a14="http://schemas.microsoft.com/office/drawing/2010/main">
+                <a:solidFill>
+                  <a:srgbClr val="FFFFFF"/>
+                </a:solidFill>
+              </a14:hiddenFill>
+            </a:ext>
+            <a:ext uri="{91240B29-F687-4F45-9708-019B960494DF}">
+              <a14:hiddenLine xmlns:a14="http://schemas.microsoft.com/office/drawing/2010/main" w="9525">
+                <a:solidFill>
+                  <a:srgbClr val="000000"/>
+                </a:solidFill>
+                <a:miter lim="800000"/>
+                <a:headEnd/>
+                <a:tailEnd/>
+              </a14:hiddenLine>
+            </a:ext>
+          </a:extLst>
+        </p:spPr>
+        <p:txBody>
+          <a:bodyPr wrap="square">
+            <a:spAutoFit/>
+          </a:bodyPr>
+          <a:lstStyle>
+            <a:lvl1pPr marL="228600" indent="-228600">
+              <a:defRPr>
+                <a:solidFill>
+                  <a:schemeClr val="tx1"/>
+                </a:solidFill>
+                <a:latin typeface="Century Gothic" panose="020B0502020202020204" pitchFamily="34" charset="0"/>
+                <a:ea typeface="微软雅黑" panose="020B0503020204020204" charset="-122"/>
+              </a:defRPr>
+            </a:lvl1pPr>
+            <a:lvl2pPr marL="742950" indent="-285750">
+              <a:defRPr>
+                <a:solidFill>
+                  <a:schemeClr val="tx1"/>
+                </a:solidFill>
+                <a:latin typeface="Century Gothic" panose="020B0502020202020204" pitchFamily="34" charset="0"/>
+                <a:ea typeface="微软雅黑" panose="020B0503020204020204" charset="-122"/>
+              </a:defRPr>
+            </a:lvl2pPr>
+            <a:lvl3pPr marL="1143000" indent="-228600">
+              <a:defRPr>
+                <a:solidFill>
+                  <a:schemeClr val="tx1"/>
+                </a:solidFill>
+                <a:latin typeface="Century Gothic" panose="020B0502020202020204" pitchFamily="34" charset="0"/>
+                <a:ea typeface="微软雅黑" panose="020B0503020204020204" charset="-122"/>
+              </a:defRPr>
+            </a:lvl3pPr>
+            <a:lvl4pPr marL="1600200" indent="-228600">
+              <a:defRPr>
+                <a:solidFill>
+                  <a:schemeClr val="tx1"/>
+                </a:solidFill>
+                <a:latin typeface="Century Gothic" panose="020B0502020202020204" pitchFamily="34" charset="0"/>
+                <a:ea typeface="微软雅黑" panose="020B0503020204020204" charset="-122"/>
+              </a:defRPr>
+            </a:lvl4pPr>
+            <a:lvl5pPr marL="2057400" indent="-228600">
+              <a:defRPr>
+                <a:solidFill>
+                  <a:schemeClr val="tx1"/>
+                </a:solidFill>
+                <a:latin typeface="Century Gothic" panose="020B0502020202020204" pitchFamily="34" charset="0"/>
+                <a:ea typeface="微软雅黑" panose="020B0503020204020204" charset="-122"/>
+              </a:defRPr>
+            </a:lvl5pPr>
+            <a:lvl6pPr marL="2514600" indent="-228600" fontAlgn="base">
+              <a:spcBef>
+                <a:spcPct val="0"/>
+              </a:spcBef>
+              <a:spcAft>
+                <a:spcPct val="0"/>
+              </a:spcAft>
+              <a:defRPr>
+                <a:solidFill>
+                  <a:schemeClr val="tx1"/>
+                </a:solidFill>
+                <a:latin typeface="Century Gothic" panose="020B0502020202020204" pitchFamily="34" charset="0"/>
+                <a:ea typeface="微软雅黑" panose="020B0503020204020204" charset="-122"/>
+              </a:defRPr>
+            </a:lvl6pPr>
+            <a:lvl7pPr marL="2971800" indent="-228600" fontAlgn="base">
+              <a:spcBef>
+                <a:spcPct val="0"/>
+              </a:spcBef>
+              <a:spcAft>
+                <a:spcPct val="0"/>
+              </a:spcAft>
+              <a:defRPr>
+                <a:solidFill>
+                  <a:schemeClr val="tx1"/>
+                </a:solidFill>
+                <a:latin typeface="Century Gothic" panose="020B0502020202020204" pitchFamily="34" charset="0"/>
+                <a:ea typeface="微软雅黑" panose="020B0503020204020204" charset="-122"/>
+              </a:defRPr>
+            </a:lvl7pPr>
+            <a:lvl8pPr marL="3429000" indent="-228600" fontAlgn="base">
+              <a:spcBef>
+                <a:spcPct val="0"/>
+              </a:spcBef>
+              <a:spcAft>
+                <a:spcPct val="0"/>
+              </a:spcAft>
+              <a:defRPr>
+                <a:solidFill>
+                  <a:schemeClr val="tx1"/>
+                </a:solidFill>
+                <a:latin typeface="Century Gothic" panose="020B0502020202020204" pitchFamily="34" charset="0"/>
+                <a:ea typeface="微软雅黑" panose="020B0503020204020204" charset="-122"/>
+              </a:defRPr>
+            </a:lvl8pPr>
+            <a:lvl9pPr marL="3886200" indent="-228600" fontAlgn="base">
+              <a:spcBef>
+                <a:spcPct val="0"/>
+              </a:spcBef>
+              <a:spcAft>
+                <a:spcPct val="0"/>
+              </a:spcAft>
+              <a:defRPr>
+                <a:solidFill>
+                  <a:schemeClr val="tx1"/>
+                </a:solidFill>
+                <a:latin typeface="Century Gothic" panose="020B0502020202020204" pitchFamily="34" charset="0"/>
+                <a:ea typeface="微软雅黑" panose="020B0503020204020204" charset="-122"/>
+              </a:defRPr>
+            </a:lvl9pPr>
+          </a:lstStyle>
+          <a:p>
+            <a:pPr algn="ctr" eaLnBrk="1" hangingPunct="1">
+              <a:defRPr/>
+            </a:pPr>
+            <a:r>
+              <a:rPr lang="en-US" altLang="zh-CN" sz="3600" b="1" dirty="0">
+                <a:solidFill>
+                  <a:schemeClr val="bg1"/>
+                </a:solidFill>
+              </a:rPr>
+              <a:t>3</a:t>
+            </a:r>
+            <a:endParaRPr lang="zh-CN" altLang="en-US" sz="3600" b="1" dirty="0">
+              <a:solidFill>
+                <a:schemeClr val="bg1"/>
+              </a:solidFill>
+            </a:endParaRPr>
+          </a:p>
+        </p:txBody>
+      </p:sp>
+      <p:sp>
+        <p:nvSpPr>
+          <p:cNvPr id="4" name="文本框 3">
+            <a:extLst>
+              <a:ext uri="{FF2B5EF4-FFF2-40B4-BE49-F238E27FC236}">
+                <a16:creationId xmlns:a16="http://schemas.microsoft.com/office/drawing/2014/main" id="{E20F2A1A-93CA-4C31-B559-8114D4ED74F8}"/>
+              </a:ext>
+            </a:extLst>
+          </p:cNvPr>
+          <p:cNvSpPr txBox="1"/>
+          <p:nvPr/>
+        </p:nvSpPr>
+        <p:spPr>
+          <a:xfrm>
+            <a:off x="357352" y="2967335"/>
+            <a:ext cx="2194560" cy="923330"/>
+          </a:xfrm>
+          <a:prstGeom prst="rect">
+            <a:avLst/>
+          </a:prstGeom>
+          <a:noFill/>
+        </p:spPr>
+        <p:txBody>
+          <a:bodyPr wrap="square" rtlCol="0">
+            <a:spAutoFit/>
+          </a:bodyPr>
+          <a:lstStyle/>
+          <a:p>
+            <a:r>
+              <a:rPr lang="en-US" altLang="zh-CN" sz="1800" b="1" spc="100" dirty="0" err="1">
+                <a:solidFill>
+                  <a:schemeClr val="accent1"/>
+                </a:solidFill>
+              </a:rPr>
+              <a:t>jammdb</a:t>
+            </a:r>
+            <a:r>
+              <a:rPr lang="en-US" altLang="zh-CN" sz="1800" b="1" spc="100" dirty="0">
+                <a:solidFill>
+                  <a:schemeClr val="accent1"/>
+                </a:solidFill>
+              </a:rPr>
+              <a:t> </a:t>
+            </a:r>
+            <a:r>
+              <a:rPr lang="zh-CN" altLang="en-US" sz="1800" b="1" spc="100" dirty="0">
+                <a:solidFill>
+                  <a:schemeClr val="accent1"/>
+                </a:solidFill>
+              </a:rPr>
+              <a:t>数据库的分析和移植工作</a:t>
+            </a:r>
+            <a:endParaRPr lang="en-US" altLang="zh-CN" sz="1800" b="1" spc="100" dirty="0">
+              <a:solidFill>
+                <a:schemeClr val="accent1"/>
+              </a:solidFill>
+            </a:endParaRPr>
+          </a:p>
+          <a:p>
+            <a:endParaRPr lang="zh-CN" altLang="en-US" dirty="0"/>
+          </a:p>
+        </p:txBody>
+      </p:sp>
+      <p:sp>
+        <p:nvSpPr>
+          <p:cNvPr id="25" name="right-arrow_339913">
+            <a:extLst>
+              <a:ext uri="{FF2B5EF4-FFF2-40B4-BE49-F238E27FC236}">
+                <a16:creationId xmlns:a16="http://schemas.microsoft.com/office/drawing/2014/main" id="{B777E30D-55E7-494F-A1BE-4BB55FFF36EF}"/>
+              </a:ext>
+            </a:extLst>
+          </p:cNvPr>
+          <p:cNvSpPr>
+            <a:spLocks noChangeAspect="1"/>
+          </p:cNvSpPr>
+          <p:nvPr/>
+        </p:nvSpPr>
+        <p:spPr bwMode="auto">
+          <a:xfrm>
+            <a:off x="5928474" y="2964209"/>
+            <a:ext cx="609685" cy="608513"/>
+          </a:xfrm>
+          <a:custGeom>
+            <a:avLst/>
+            <a:gdLst>
+              <a:gd name="connsiteX0" fmla="*/ 312860 w 607729"/>
+              <a:gd name="connsiteY0" fmla="*/ 3534 h 606561"/>
+              <a:gd name="connsiteX1" fmla="*/ 603991 w 607729"/>
+              <a:gd name="connsiteY1" fmla="*/ 294222 h 606561"/>
+              <a:gd name="connsiteX2" fmla="*/ 603991 w 607729"/>
+              <a:gd name="connsiteY2" fmla="*/ 312084 h 606561"/>
+              <a:gd name="connsiteX3" fmla="*/ 312860 w 607729"/>
+              <a:gd name="connsiteY3" fmla="*/ 602772 h 606561"/>
+              <a:gd name="connsiteX4" fmla="*/ 312593 w 607729"/>
+              <a:gd name="connsiteY4" fmla="*/ 602949 h 606561"/>
+              <a:gd name="connsiteX5" fmla="*/ 294792 w 607729"/>
+              <a:gd name="connsiteY5" fmla="*/ 602772 h 606561"/>
+              <a:gd name="connsiteX6" fmla="*/ 295059 w 607729"/>
+              <a:gd name="connsiteY6" fmla="*/ 584909 h 606561"/>
+              <a:gd name="connsiteX7" fmla="*/ 577201 w 607729"/>
+              <a:gd name="connsiteY7" fmla="*/ 303108 h 606561"/>
+              <a:gd name="connsiteX8" fmla="*/ 295059 w 607729"/>
+              <a:gd name="connsiteY8" fmla="*/ 21308 h 606561"/>
+              <a:gd name="connsiteX9" fmla="*/ 295059 w 607729"/>
+              <a:gd name="connsiteY9" fmla="*/ 3800 h 606561"/>
+              <a:gd name="connsiteX10" fmla="*/ 312860 w 607729"/>
+              <a:gd name="connsiteY10" fmla="*/ 3534 h 606561"/>
+              <a:gd name="connsiteX11" fmla="*/ 21707 w 607729"/>
+              <a:gd name="connsiteY11" fmla="*/ 3534 h 606561"/>
+              <a:gd name="connsiteX12" fmla="*/ 312838 w 607729"/>
+              <a:gd name="connsiteY12" fmla="*/ 294222 h 606561"/>
+              <a:gd name="connsiteX13" fmla="*/ 312838 w 607729"/>
+              <a:gd name="connsiteY13" fmla="*/ 312084 h 606561"/>
+              <a:gd name="connsiteX14" fmla="*/ 21707 w 607729"/>
+              <a:gd name="connsiteY14" fmla="*/ 602772 h 606561"/>
+              <a:gd name="connsiteX15" fmla="*/ 21440 w 607729"/>
+              <a:gd name="connsiteY15" fmla="*/ 602949 h 606561"/>
+              <a:gd name="connsiteX16" fmla="*/ 3639 w 607729"/>
+              <a:gd name="connsiteY16" fmla="*/ 602772 h 606561"/>
+              <a:gd name="connsiteX17" fmla="*/ 3906 w 607729"/>
+              <a:gd name="connsiteY17" fmla="*/ 584909 h 606561"/>
+              <a:gd name="connsiteX18" fmla="*/ 286047 w 607729"/>
+              <a:gd name="connsiteY18" fmla="*/ 303197 h 606561"/>
+              <a:gd name="connsiteX19" fmla="*/ 3906 w 607729"/>
+              <a:gd name="connsiteY19" fmla="*/ 21485 h 606561"/>
+              <a:gd name="connsiteX20" fmla="*/ 3906 w 607729"/>
+              <a:gd name="connsiteY20" fmla="*/ 3889 h 606561"/>
+              <a:gd name="connsiteX21" fmla="*/ 21707 w 607729"/>
+              <a:gd name="connsiteY21" fmla="*/ 3534 h 606561"/>
+            </a:gdLst>
+            <a:ahLst/>
+            <a:cxnLst>
+              <a:cxn ang="0">
+                <a:pos x="connsiteX0" y="connsiteY0"/>
+              </a:cxn>
+              <a:cxn ang="0">
+                <a:pos x="connsiteX1" y="connsiteY1"/>
+              </a:cxn>
+              <a:cxn ang="0">
+                <a:pos x="connsiteX2" y="connsiteY2"/>
+              </a:cxn>
+              <a:cxn ang="0">
+                <a:pos x="connsiteX3" y="connsiteY3"/>
+              </a:cxn>
+              <a:cxn ang="0">
+                <a:pos x="connsiteX4" y="connsiteY4"/>
+              </a:cxn>
+              <a:cxn ang="0">
+                <a:pos x="connsiteX5" y="connsiteY5"/>
+              </a:cxn>
+              <a:cxn ang="0">
+                <a:pos x="connsiteX6" y="connsiteY6"/>
+              </a:cxn>
+              <a:cxn ang="0">
+                <a:pos x="connsiteX7" y="connsiteY7"/>
+              </a:cxn>
+              <a:cxn ang="0">
+                <a:pos x="connsiteX8" y="connsiteY8"/>
+              </a:cxn>
+              <a:cxn ang="0">
+                <a:pos x="connsiteX9" y="connsiteY9"/>
+              </a:cxn>
+              <a:cxn ang="0">
+                <a:pos x="connsiteX10" y="connsiteY10"/>
+              </a:cxn>
+              <a:cxn ang="0">
+                <a:pos x="connsiteX11" y="connsiteY11"/>
+              </a:cxn>
+              <a:cxn ang="0">
+                <a:pos x="connsiteX12" y="connsiteY12"/>
+              </a:cxn>
+              <a:cxn ang="0">
+                <a:pos x="connsiteX13" y="connsiteY13"/>
+              </a:cxn>
+              <a:cxn ang="0">
+                <a:pos x="connsiteX14" y="connsiteY14"/>
+              </a:cxn>
+              <a:cxn ang="0">
+                <a:pos x="connsiteX15" y="connsiteY15"/>
+              </a:cxn>
+              <a:cxn ang="0">
+                <a:pos x="connsiteX16" y="connsiteY16"/>
+              </a:cxn>
+              <a:cxn ang="0">
+                <a:pos x="connsiteX17" y="connsiteY17"/>
+              </a:cxn>
+              <a:cxn ang="0">
+                <a:pos x="connsiteX18" y="connsiteY18"/>
+              </a:cxn>
+              <a:cxn ang="0">
+                <a:pos x="connsiteX19" y="connsiteY19"/>
+              </a:cxn>
+              <a:cxn ang="0">
+                <a:pos x="connsiteX20" y="connsiteY20"/>
+              </a:cxn>
+              <a:cxn ang="0">
+                <a:pos x="connsiteX21" y="connsiteY21"/>
+              </a:cxn>
+            </a:cxnLst>
+            <a:rect l="l" t="t" r="r" b="b"/>
+            <a:pathLst>
+              <a:path w="607729" h="606561">
+                <a:moveTo>
+                  <a:pt x="312860" y="3534"/>
+                </a:moveTo>
+                <a:lnTo>
+                  <a:pt x="603991" y="294222"/>
+                </a:lnTo>
+                <a:cubicBezTo>
+                  <a:pt x="608975" y="299109"/>
+                  <a:pt x="608975" y="307107"/>
+                  <a:pt x="603991" y="312084"/>
+                </a:cubicBezTo>
+                <a:lnTo>
+                  <a:pt x="312860" y="602772"/>
+                </a:lnTo>
+                <a:lnTo>
+                  <a:pt x="312593" y="602949"/>
+                </a:lnTo>
+                <a:cubicBezTo>
+                  <a:pt x="307698" y="607926"/>
+                  <a:pt x="299688" y="607659"/>
+                  <a:pt x="294792" y="602772"/>
+                </a:cubicBezTo>
+                <a:cubicBezTo>
+                  <a:pt x="289808" y="597795"/>
+                  <a:pt x="289986" y="589708"/>
+                  <a:pt x="295059" y="584909"/>
+                </a:cubicBezTo>
+                <a:lnTo>
+                  <a:pt x="577201" y="303108"/>
+                </a:lnTo>
+                <a:lnTo>
+                  <a:pt x="295059" y="21308"/>
+                </a:lnTo>
+                <a:cubicBezTo>
+                  <a:pt x="290342" y="16420"/>
+                  <a:pt x="290342" y="8688"/>
+                  <a:pt x="295059" y="3800"/>
+                </a:cubicBezTo>
+                <a:cubicBezTo>
+                  <a:pt x="299866" y="-1176"/>
+                  <a:pt x="307787" y="-1265"/>
+                  <a:pt x="312860" y="3534"/>
+                </a:cubicBezTo>
+                <a:close/>
+                <a:moveTo>
+                  <a:pt x="21707" y="3534"/>
+                </a:moveTo>
+                <a:lnTo>
+                  <a:pt x="312838" y="294222"/>
+                </a:lnTo>
+                <a:cubicBezTo>
+                  <a:pt x="317822" y="299109"/>
+                  <a:pt x="317822" y="307107"/>
+                  <a:pt x="312838" y="312084"/>
+                </a:cubicBezTo>
+                <a:lnTo>
+                  <a:pt x="21707" y="602772"/>
+                </a:lnTo>
+                <a:lnTo>
+                  <a:pt x="21440" y="602949"/>
+                </a:lnTo>
+                <a:cubicBezTo>
+                  <a:pt x="16544" y="607926"/>
+                  <a:pt x="8534" y="607659"/>
+                  <a:pt x="3639" y="602772"/>
+                </a:cubicBezTo>
+                <a:cubicBezTo>
+                  <a:pt x="-1345" y="597795"/>
+                  <a:pt x="-1167" y="589708"/>
+                  <a:pt x="3906" y="584909"/>
+                </a:cubicBezTo>
+                <a:lnTo>
+                  <a:pt x="286047" y="303197"/>
+                </a:lnTo>
+                <a:lnTo>
+                  <a:pt x="3906" y="21485"/>
+                </a:lnTo>
+                <a:cubicBezTo>
+                  <a:pt x="-811" y="16509"/>
+                  <a:pt x="-811" y="8866"/>
+                  <a:pt x="3906" y="3889"/>
+                </a:cubicBezTo>
+                <a:cubicBezTo>
+                  <a:pt x="8712" y="-1176"/>
+                  <a:pt x="16811" y="-1265"/>
+                  <a:pt x="21707" y="3534"/>
+                </a:cubicBezTo>
+                <a:close/>
+              </a:path>
+            </a:pathLst>
+          </a:custGeom>
+          <a:solidFill>
+            <a:schemeClr val="accent4"/>
+          </a:solidFill>
+          <a:ln>
+            <a:noFill/>
+          </a:ln>
+        </p:spPr>
+      </p:sp>
+      <p:sp>
+        <p:nvSpPr>
+          <p:cNvPr id="5" name="文本框 4">
+            <a:extLst>
+              <a:ext uri="{FF2B5EF4-FFF2-40B4-BE49-F238E27FC236}">
+                <a16:creationId xmlns:a16="http://schemas.microsoft.com/office/drawing/2014/main" id="{9089545E-3ABD-4C60-9D5C-ADA8FFAFE347}"/>
+              </a:ext>
+            </a:extLst>
+          </p:cNvPr>
+          <p:cNvSpPr txBox="1"/>
+          <p:nvPr/>
+        </p:nvSpPr>
+        <p:spPr>
+          <a:xfrm>
+            <a:off x="3189623" y="3105834"/>
+            <a:ext cx="2621230" cy="646331"/>
+          </a:xfrm>
+          <a:prstGeom prst="rect">
+            <a:avLst/>
+          </a:prstGeom>
+          <a:noFill/>
+        </p:spPr>
+        <p:txBody>
+          <a:bodyPr wrap="none" rtlCol="0">
+            <a:spAutoFit/>
+          </a:bodyPr>
+          <a:lstStyle/>
+          <a:p>
+            <a:r>
+              <a:rPr lang="zh-CN" altLang="en-US" sz="1800" b="1" spc="100" dirty="0">
+                <a:solidFill>
+                  <a:schemeClr val="accent1"/>
+                </a:solidFill>
+              </a:rPr>
+              <a:t>文件系统的设计和实现</a:t>
+            </a:r>
+            <a:endParaRPr lang="en-US" altLang="zh-CN" sz="1800" b="1" spc="100" dirty="0">
+              <a:solidFill>
+                <a:schemeClr val="accent1"/>
+              </a:solidFill>
+            </a:endParaRPr>
+          </a:p>
+          <a:p>
+            <a:endParaRPr lang="zh-CN" altLang="en-US" dirty="0"/>
+          </a:p>
+        </p:txBody>
+      </p:sp>
+      <p:sp>
+        <p:nvSpPr>
+          <p:cNvPr id="26" name="right-arrow_339913">
+            <a:extLst>
+              <a:ext uri="{FF2B5EF4-FFF2-40B4-BE49-F238E27FC236}">
+                <a16:creationId xmlns:a16="http://schemas.microsoft.com/office/drawing/2014/main" id="{AF8CECB0-C095-4F2F-A8AC-38FD199F9A98}"/>
+              </a:ext>
+            </a:extLst>
+          </p:cNvPr>
+          <p:cNvSpPr>
+            <a:spLocks noChangeAspect="1"/>
+          </p:cNvSpPr>
+          <p:nvPr/>
+        </p:nvSpPr>
+        <p:spPr bwMode="auto">
+          <a:xfrm>
+            <a:off x="2555681" y="2967335"/>
+            <a:ext cx="609685" cy="608513"/>
+          </a:xfrm>
+          <a:custGeom>
+            <a:avLst/>
+            <a:gdLst>
+              <a:gd name="connsiteX0" fmla="*/ 312860 w 607729"/>
+              <a:gd name="connsiteY0" fmla="*/ 3534 h 606561"/>
+              <a:gd name="connsiteX1" fmla="*/ 603991 w 607729"/>
+              <a:gd name="connsiteY1" fmla="*/ 294222 h 606561"/>
+              <a:gd name="connsiteX2" fmla="*/ 603991 w 607729"/>
+              <a:gd name="connsiteY2" fmla="*/ 312084 h 606561"/>
+              <a:gd name="connsiteX3" fmla="*/ 312860 w 607729"/>
+              <a:gd name="connsiteY3" fmla="*/ 602772 h 606561"/>
+              <a:gd name="connsiteX4" fmla="*/ 312593 w 607729"/>
+              <a:gd name="connsiteY4" fmla="*/ 602949 h 606561"/>
+              <a:gd name="connsiteX5" fmla="*/ 294792 w 607729"/>
+              <a:gd name="connsiteY5" fmla="*/ 602772 h 606561"/>
+              <a:gd name="connsiteX6" fmla="*/ 295059 w 607729"/>
+              <a:gd name="connsiteY6" fmla="*/ 584909 h 606561"/>
+              <a:gd name="connsiteX7" fmla="*/ 577201 w 607729"/>
+              <a:gd name="connsiteY7" fmla="*/ 303108 h 606561"/>
+              <a:gd name="connsiteX8" fmla="*/ 295059 w 607729"/>
+              <a:gd name="connsiteY8" fmla="*/ 21308 h 606561"/>
+              <a:gd name="connsiteX9" fmla="*/ 295059 w 607729"/>
+              <a:gd name="connsiteY9" fmla="*/ 3800 h 606561"/>
+              <a:gd name="connsiteX10" fmla="*/ 312860 w 607729"/>
+              <a:gd name="connsiteY10" fmla="*/ 3534 h 606561"/>
+              <a:gd name="connsiteX11" fmla="*/ 21707 w 607729"/>
+              <a:gd name="connsiteY11" fmla="*/ 3534 h 606561"/>
+              <a:gd name="connsiteX12" fmla="*/ 312838 w 607729"/>
+              <a:gd name="connsiteY12" fmla="*/ 294222 h 606561"/>
+              <a:gd name="connsiteX13" fmla="*/ 312838 w 607729"/>
+              <a:gd name="connsiteY13" fmla="*/ 312084 h 606561"/>
+              <a:gd name="connsiteX14" fmla="*/ 21707 w 607729"/>
+              <a:gd name="connsiteY14" fmla="*/ 602772 h 606561"/>
+              <a:gd name="connsiteX15" fmla="*/ 21440 w 607729"/>
+              <a:gd name="connsiteY15" fmla="*/ 602949 h 606561"/>
+              <a:gd name="connsiteX16" fmla="*/ 3639 w 607729"/>
+              <a:gd name="connsiteY16" fmla="*/ 602772 h 606561"/>
+              <a:gd name="connsiteX17" fmla="*/ 3906 w 607729"/>
+              <a:gd name="connsiteY17" fmla="*/ 584909 h 606561"/>
+              <a:gd name="connsiteX18" fmla="*/ 286047 w 607729"/>
+              <a:gd name="connsiteY18" fmla="*/ 303197 h 606561"/>
+              <a:gd name="connsiteX19" fmla="*/ 3906 w 607729"/>
+              <a:gd name="connsiteY19" fmla="*/ 21485 h 606561"/>
+              <a:gd name="connsiteX20" fmla="*/ 3906 w 607729"/>
+              <a:gd name="connsiteY20" fmla="*/ 3889 h 606561"/>
+              <a:gd name="connsiteX21" fmla="*/ 21707 w 607729"/>
+              <a:gd name="connsiteY21" fmla="*/ 3534 h 606561"/>
+            </a:gdLst>
+            <a:ahLst/>
+            <a:cxnLst>
+              <a:cxn ang="0">
+                <a:pos x="connsiteX0" y="connsiteY0"/>
+              </a:cxn>
+              <a:cxn ang="0">
+                <a:pos x="connsiteX1" y="connsiteY1"/>
+              </a:cxn>
+              <a:cxn ang="0">
+                <a:pos x="connsiteX2" y="connsiteY2"/>
+              </a:cxn>
+              <a:cxn ang="0">
+                <a:pos x="connsiteX3" y="connsiteY3"/>
+              </a:cxn>
+              <a:cxn ang="0">
+                <a:pos x="connsiteX4" y="connsiteY4"/>
+              </a:cxn>
+              <a:cxn ang="0">
+                <a:pos x="connsiteX5" y="connsiteY5"/>
+              </a:cxn>
+              <a:cxn ang="0">
+                <a:pos x="connsiteX6" y="connsiteY6"/>
+              </a:cxn>
+              <a:cxn ang="0">
+                <a:pos x="connsiteX7" y="connsiteY7"/>
+              </a:cxn>
+              <a:cxn ang="0">
+                <a:pos x="connsiteX8" y="connsiteY8"/>
+              </a:cxn>
+              <a:cxn ang="0">
+                <a:pos x="connsiteX9" y="connsiteY9"/>
+              </a:cxn>
+              <a:cxn ang="0">
+                <a:pos x="connsiteX10" y="connsiteY10"/>
+              </a:cxn>
+              <a:cxn ang="0">
+                <a:pos x="connsiteX11" y="connsiteY11"/>
+              </a:cxn>
+              <a:cxn ang="0">
+                <a:pos x="connsiteX12" y="connsiteY12"/>
+              </a:cxn>
+              <a:cxn ang="0">
+                <a:pos x="connsiteX13" y="connsiteY13"/>
+              </a:cxn>
+              <a:cxn ang="0">
+                <a:pos x="connsiteX14" y="connsiteY14"/>
+              </a:cxn>
+              <a:cxn ang="0">
+                <a:pos x="connsiteX15" y="connsiteY15"/>
+              </a:cxn>
+              <a:cxn ang="0">
+                <a:pos x="connsiteX16" y="connsiteY16"/>
+              </a:cxn>
+              <a:cxn ang="0">
+                <a:pos x="connsiteX17" y="connsiteY17"/>
+              </a:cxn>
+              <a:cxn ang="0">
+                <a:pos x="connsiteX18" y="connsiteY18"/>
+              </a:cxn>
+              <a:cxn ang="0">
+                <a:pos x="connsiteX19" y="connsiteY19"/>
+              </a:cxn>
+              <a:cxn ang="0">
+                <a:pos x="connsiteX20" y="connsiteY20"/>
+              </a:cxn>
+              <a:cxn ang="0">
+                <a:pos x="connsiteX21" y="connsiteY21"/>
+              </a:cxn>
+            </a:cxnLst>
+            <a:rect l="l" t="t" r="r" b="b"/>
+            <a:pathLst>
+              <a:path w="607729" h="606561">
+                <a:moveTo>
+                  <a:pt x="312860" y="3534"/>
+                </a:moveTo>
+                <a:lnTo>
+                  <a:pt x="603991" y="294222"/>
+                </a:lnTo>
+                <a:cubicBezTo>
+                  <a:pt x="608975" y="299109"/>
+                  <a:pt x="608975" y="307107"/>
+                  <a:pt x="603991" y="312084"/>
+                </a:cubicBezTo>
+                <a:lnTo>
+                  <a:pt x="312860" y="602772"/>
+                </a:lnTo>
+                <a:lnTo>
+                  <a:pt x="312593" y="602949"/>
+                </a:lnTo>
+                <a:cubicBezTo>
+                  <a:pt x="307698" y="607926"/>
+                  <a:pt x="299688" y="607659"/>
+                  <a:pt x="294792" y="602772"/>
+                </a:cubicBezTo>
+                <a:cubicBezTo>
+                  <a:pt x="289808" y="597795"/>
+                  <a:pt x="289986" y="589708"/>
+                  <a:pt x="295059" y="584909"/>
+                </a:cubicBezTo>
+                <a:lnTo>
+                  <a:pt x="577201" y="303108"/>
+                </a:lnTo>
+                <a:lnTo>
+                  <a:pt x="295059" y="21308"/>
+                </a:lnTo>
+                <a:cubicBezTo>
+                  <a:pt x="290342" y="16420"/>
+                  <a:pt x="290342" y="8688"/>
+                  <a:pt x="295059" y="3800"/>
+                </a:cubicBezTo>
+                <a:cubicBezTo>
+                  <a:pt x="299866" y="-1176"/>
+                  <a:pt x="307787" y="-1265"/>
+                  <a:pt x="312860" y="3534"/>
+                </a:cubicBezTo>
+                <a:close/>
+                <a:moveTo>
+                  <a:pt x="21707" y="3534"/>
+                </a:moveTo>
+                <a:lnTo>
+                  <a:pt x="312838" y="294222"/>
+                </a:lnTo>
+                <a:cubicBezTo>
+                  <a:pt x="317822" y="299109"/>
+                  <a:pt x="317822" y="307107"/>
+                  <a:pt x="312838" y="312084"/>
+                </a:cubicBezTo>
+                <a:lnTo>
+                  <a:pt x="21707" y="602772"/>
+                </a:lnTo>
+                <a:lnTo>
+                  <a:pt x="21440" y="602949"/>
+                </a:lnTo>
+                <a:cubicBezTo>
+                  <a:pt x="16544" y="607926"/>
+                  <a:pt x="8534" y="607659"/>
+                  <a:pt x="3639" y="602772"/>
+                </a:cubicBezTo>
+                <a:cubicBezTo>
+                  <a:pt x="-1345" y="597795"/>
+                  <a:pt x="-1167" y="589708"/>
+                  <a:pt x="3906" y="584909"/>
+                </a:cubicBezTo>
+                <a:lnTo>
+                  <a:pt x="286047" y="303197"/>
+                </a:lnTo>
+                <a:lnTo>
+                  <a:pt x="3906" y="21485"/>
+                </a:lnTo>
+                <a:cubicBezTo>
+                  <a:pt x="-811" y="16509"/>
+                  <a:pt x="-811" y="8866"/>
+                  <a:pt x="3906" y="3889"/>
+                </a:cubicBezTo>
+                <a:cubicBezTo>
+                  <a:pt x="8712" y="-1176"/>
+                  <a:pt x="16811" y="-1265"/>
+                  <a:pt x="21707" y="3534"/>
+                </a:cubicBezTo>
+                <a:close/>
+              </a:path>
+            </a:pathLst>
+          </a:custGeom>
+          <a:solidFill>
+            <a:schemeClr val="accent4"/>
+          </a:solidFill>
+          <a:ln>
+            <a:noFill/>
+          </a:ln>
+        </p:spPr>
+        <p:txBody>
+          <a:bodyPr/>
+          <a:lstStyle/>
+          <a:p>
+            <a:endParaRPr lang="zh-CN" altLang="en-US" dirty="0"/>
+          </a:p>
+        </p:txBody>
+      </p:sp>
+      <p:sp>
+        <p:nvSpPr>
+          <p:cNvPr id="6" name="文本框 5">
+            <a:extLst>
+              <a:ext uri="{FF2B5EF4-FFF2-40B4-BE49-F238E27FC236}">
+                <a16:creationId xmlns:a16="http://schemas.microsoft.com/office/drawing/2014/main" id="{EBB2A395-D866-41C9-94F2-DFD51FBB8327}"/>
+              </a:ext>
+            </a:extLst>
+          </p:cNvPr>
+          <p:cNvSpPr txBox="1"/>
+          <p:nvPr/>
+        </p:nvSpPr>
+        <p:spPr>
+          <a:xfrm>
+            <a:off x="6776853" y="2964209"/>
+            <a:ext cx="1837918" cy="923330"/>
+          </a:xfrm>
+          <a:prstGeom prst="rect">
+            <a:avLst/>
+          </a:prstGeom>
+          <a:noFill/>
+        </p:spPr>
+        <p:txBody>
+          <a:bodyPr wrap="square" rtlCol="0">
+            <a:spAutoFit/>
+          </a:bodyPr>
+          <a:lstStyle/>
+          <a:p>
+            <a:r>
+              <a:rPr lang="zh-CN" altLang="en-US" sz="1800" b="1" spc="100" dirty="0">
+                <a:solidFill>
+                  <a:schemeClr val="accent1"/>
+                </a:solidFill>
+              </a:rPr>
+              <a:t>文件系统实现的优化和扩展</a:t>
+            </a:r>
+          </a:p>
+          <a:p>
+            <a:endParaRPr lang="zh-CN" altLang="en-US" dirty="0"/>
+          </a:p>
+        </p:txBody>
+      </p:sp>
+      <p:sp>
+        <p:nvSpPr>
+          <p:cNvPr id="7" name="文本框 6">
+            <a:extLst>
+              <a:ext uri="{FF2B5EF4-FFF2-40B4-BE49-F238E27FC236}">
+                <a16:creationId xmlns:a16="http://schemas.microsoft.com/office/drawing/2014/main" id="{0ED17E59-F508-46B3-A114-F490F7045BA8}"/>
+              </a:ext>
+            </a:extLst>
+          </p:cNvPr>
+          <p:cNvSpPr txBox="1"/>
+          <p:nvPr/>
+        </p:nvSpPr>
+        <p:spPr>
+          <a:xfrm>
+            <a:off x="9493690" y="2924506"/>
+            <a:ext cx="2286000" cy="646331"/>
+          </a:xfrm>
+          <a:prstGeom prst="rect">
+            <a:avLst/>
+          </a:prstGeom>
+          <a:noFill/>
+        </p:spPr>
+        <p:txBody>
+          <a:bodyPr wrap="square" rtlCol="0">
+            <a:spAutoFit/>
+          </a:bodyPr>
+          <a:lstStyle/>
+          <a:p>
+            <a:r>
+              <a:rPr lang="en-US" altLang="zh-CN" sz="1800" b="1" spc="100" dirty="0">
+                <a:solidFill>
+                  <a:schemeClr val="accent1"/>
+                </a:solidFill>
+              </a:rPr>
+              <a:t>DBFS </a:t>
+            </a:r>
+            <a:r>
+              <a:rPr lang="zh-CN" altLang="en-US" sz="1800" b="1" spc="100" dirty="0">
+                <a:solidFill>
+                  <a:schemeClr val="accent1"/>
+                </a:solidFill>
+              </a:rPr>
+              <a:t>与传统文件系统的对比分析</a:t>
+            </a:r>
+          </a:p>
+        </p:txBody>
+      </p:sp>
+      <p:sp>
+        <p:nvSpPr>
+          <p:cNvPr id="27" name="right-arrow_339913">
+            <a:extLst>
+              <a:ext uri="{FF2B5EF4-FFF2-40B4-BE49-F238E27FC236}">
+                <a16:creationId xmlns:a16="http://schemas.microsoft.com/office/drawing/2014/main" id="{D7657D61-311D-40BC-928C-554914479F5D}"/>
+              </a:ext>
+            </a:extLst>
+          </p:cNvPr>
+          <p:cNvSpPr>
+            <a:spLocks noChangeAspect="1"/>
+          </p:cNvSpPr>
+          <p:nvPr/>
+        </p:nvSpPr>
+        <p:spPr bwMode="auto">
+          <a:xfrm>
+            <a:off x="8548622" y="2964208"/>
+            <a:ext cx="609685" cy="608513"/>
+          </a:xfrm>
+          <a:custGeom>
+            <a:avLst/>
+            <a:gdLst>
+              <a:gd name="connsiteX0" fmla="*/ 312860 w 607729"/>
+              <a:gd name="connsiteY0" fmla="*/ 3534 h 606561"/>
+              <a:gd name="connsiteX1" fmla="*/ 603991 w 607729"/>
+              <a:gd name="connsiteY1" fmla="*/ 294222 h 606561"/>
+              <a:gd name="connsiteX2" fmla="*/ 603991 w 607729"/>
+              <a:gd name="connsiteY2" fmla="*/ 312084 h 606561"/>
+              <a:gd name="connsiteX3" fmla="*/ 312860 w 607729"/>
+              <a:gd name="connsiteY3" fmla="*/ 602772 h 606561"/>
+              <a:gd name="connsiteX4" fmla="*/ 312593 w 607729"/>
+              <a:gd name="connsiteY4" fmla="*/ 602949 h 606561"/>
+              <a:gd name="connsiteX5" fmla="*/ 294792 w 607729"/>
+              <a:gd name="connsiteY5" fmla="*/ 602772 h 606561"/>
+              <a:gd name="connsiteX6" fmla="*/ 295059 w 607729"/>
+              <a:gd name="connsiteY6" fmla="*/ 584909 h 606561"/>
+              <a:gd name="connsiteX7" fmla="*/ 577201 w 607729"/>
+              <a:gd name="connsiteY7" fmla="*/ 303108 h 606561"/>
+              <a:gd name="connsiteX8" fmla="*/ 295059 w 607729"/>
+              <a:gd name="connsiteY8" fmla="*/ 21308 h 606561"/>
+              <a:gd name="connsiteX9" fmla="*/ 295059 w 607729"/>
+              <a:gd name="connsiteY9" fmla="*/ 3800 h 606561"/>
+              <a:gd name="connsiteX10" fmla="*/ 312860 w 607729"/>
+              <a:gd name="connsiteY10" fmla="*/ 3534 h 606561"/>
+              <a:gd name="connsiteX11" fmla="*/ 21707 w 607729"/>
+              <a:gd name="connsiteY11" fmla="*/ 3534 h 606561"/>
+              <a:gd name="connsiteX12" fmla="*/ 312838 w 607729"/>
+              <a:gd name="connsiteY12" fmla="*/ 294222 h 606561"/>
+              <a:gd name="connsiteX13" fmla="*/ 312838 w 607729"/>
+              <a:gd name="connsiteY13" fmla="*/ 312084 h 606561"/>
+              <a:gd name="connsiteX14" fmla="*/ 21707 w 607729"/>
+              <a:gd name="connsiteY14" fmla="*/ 602772 h 606561"/>
+              <a:gd name="connsiteX15" fmla="*/ 21440 w 607729"/>
+              <a:gd name="connsiteY15" fmla="*/ 602949 h 606561"/>
+              <a:gd name="connsiteX16" fmla="*/ 3639 w 607729"/>
+              <a:gd name="connsiteY16" fmla="*/ 602772 h 606561"/>
+              <a:gd name="connsiteX17" fmla="*/ 3906 w 607729"/>
+              <a:gd name="connsiteY17" fmla="*/ 584909 h 606561"/>
+              <a:gd name="connsiteX18" fmla="*/ 286047 w 607729"/>
+              <a:gd name="connsiteY18" fmla="*/ 303197 h 606561"/>
+              <a:gd name="connsiteX19" fmla="*/ 3906 w 607729"/>
+              <a:gd name="connsiteY19" fmla="*/ 21485 h 606561"/>
+              <a:gd name="connsiteX20" fmla="*/ 3906 w 607729"/>
+              <a:gd name="connsiteY20" fmla="*/ 3889 h 606561"/>
+              <a:gd name="connsiteX21" fmla="*/ 21707 w 607729"/>
+              <a:gd name="connsiteY21" fmla="*/ 3534 h 606561"/>
+            </a:gdLst>
+            <a:ahLst/>
+            <a:cxnLst>
+              <a:cxn ang="0">
+                <a:pos x="connsiteX0" y="connsiteY0"/>
+              </a:cxn>
+              <a:cxn ang="0">
+                <a:pos x="connsiteX1" y="connsiteY1"/>
+              </a:cxn>
+              <a:cxn ang="0">
+                <a:pos x="connsiteX2" y="connsiteY2"/>
+              </a:cxn>
+              <a:cxn ang="0">
+                <a:pos x="connsiteX3" y="connsiteY3"/>
+              </a:cxn>
+              <a:cxn ang="0">
+                <a:pos x="connsiteX4" y="connsiteY4"/>
+              </a:cxn>
+              <a:cxn ang="0">
+                <a:pos x="connsiteX5" y="connsiteY5"/>
+              </a:cxn>
+              <a:cxn ang="0">
+                <a:pos x="connsiteX6" y="connsiteY6"/>
+              </a:cxn>
+              <a:cxn ang="0">
+                <a:pos x="connsiteX7" y="connsiteY7"/>
+              </a:cxn>
+              <a:cxn ang="0">
+                <a:pos x="connsiteX8" y="connsiteY8"/>
+              </a:cxn>
+              <a:cxn ang="0">
+                <a:pos x="connsiteX9" y="connsiteY9"/>
+              </a:cxn>
+              <a:cxn ang="0">
+                <a:pos x="connsiteX10" y="connsiteY10"/>
+              </a:cxn>
+              <a:cxn ang="0">
+                <a:pos x="connsiteX11" y="connsiteY11"/>
+              </a:cxn>
+              <a:cxn ang="0">
+                <a:pos x="connsiteX12" y="connsiteY12"/>
+              </a:cxn>
+              <a:cxn ang="0">
+                <a:pos x="connsiteX13" y="connsiteY13"/>
+              </a:cxn>
+              <a:cxn ang="0">
+                <a:pos x="connsiteX14" y="connsiteY14"/>
+              </a:cxn>
+              <a:cxn ang="0">
+                <a:pos x="connsiteX15" y="connsiteY15"/>
+              </a:cxn>
+              <a:cxn ang="0">
+                <a:pos x="connsiteX16" y="connsiteY16"/>
+              </a:cxn>
+              <a:cxn ang="0">
+                <a:pos x="connsiteX17" y="connsiteY17"/>
+              </a:cxn>
+              <a:cxn ang="0">
+                <a:pos x="connsiteX18" y="connsiteY18"/>
+              </a:cxn>
+              <a:cxn ang="0">
+                <a:pos x="connsiteX19" y="connsiteY19"/>
+              </a:cxn>
+              <a:cxn ang="0">
+                <a:pos x="connsiteX20" y="connsiteY20"/>
+              </a:cxn>
+              <a:cxn ang="0">
+                <a:pos x="connsiteX21" y="connsiteY21"/>
+              </a:cxn>
+            </a:cxnLst>
+            <a:rect l="l" t="t" r="r" b="b"/>
+            <a:pathLst>
+              <a:path w="607729" h="606561">
+                <a:moveTo>
+                  <a:pt x="312860" y="3534"/>
+                </a:moveTo>
+                <a:lnTo>
+                  <a:pt x="603991" y="294222"/>
+                </a:lnTo>
+                <a:cubicBezTo>
+                  <a:pt x="608975" y="299109"/>
+                  <a:pt x="608975" y="307107"/>
+                  <a:pt x="603991" y="312084"/>
+                </a:cubicBezTo>
+                <a:lnTo>
+                  <a:pt x="312860" y="602772"/>
+                </a:lnTo>
+                <a:lnTo>
+                  <a:pt x="312593" y="602949"/>
+                </a:lnTo>
+                <a:cubicBezTo>
+                  <a:pt x="307698" y="607926"/>
+                  <a:pt x="299688" y="607659"/>
+                  <a:pt x="294792" y="602772"/>
+                </a:cubicBezTo>
+                <a:cubicBezTo>
+                  <a:pt x="289808" y="597795"/>
+                  <a:pt x="289986" y="589708"/>
+                  <a:pt x="295059" y="584909"/>
+                </a:cubicBezTo>
+                <a:lnTo>
+                  <a:pt x="577201" y="303108"/>
+                </a:lnTo>
+                <a:lnTo>
+                  <a:pt x="295059" y="21308"/>
+                </a:lnTo>
+                <a:cubicBezTo>
+                  <a:pt x="290342" y="16420"/>
+                  <a:pt x="290342" y="8688"/>
+                  <a:pt x="295059" y="3800"/>
+                </a:cubicBezTo>
+                <a:cubicBezTo>
+                  <a:pt x="299866" y="-1176"/>
+                  <a:pt x="307787" y="-1265"/>
+                  <a:pt x="312860" y="3534"/>
+                </a:cubicBezTo>
+                <a:close/>
+                <a:moveTo>
+                  <a:pt x="21707" y="3534"/>
+                </a:moveTo>
+                <a:lnTo>
+                  <a:pt x="312838" y="294222"/>
+                </a:lnTo>
+                <a:cubicBezTo>
+                  <a:pt x="317822" y="299109"/>
+                  <a:pt x="317822" y="307107"/>
+                  <a:pt x="312838" y="312084"/>
+                </a:cubicBezTo>
+                <a:lnTo>
+                  <a:pt x="21707" y="602772"/>
+                </a:lnTo>
+                <a:lnTo>
+                  <a:pt x="21440" y="602949"/>
+                </a:lnTo>
+                <a:cubicBezTo>
+                  <a:pt x="16544" y="607926"/>
+                  <a:pt x="8534" y="607659"/>
+                  <a:pt x="3639" y="602772"/>
+                </a:cubicBezTo>
+                <a:cubicBezTo>
+                  <a:pt x="-1345" y="597795"/>
+                  <a:pt x="-1167" y="589708"/>
+                  <a:pt x="3906" y="584909"/>
+                </a:cubicBezTo>
+                <a:lnTo>
+                  <a:pt x="286047" y="303197"/>
+                </a:lnTo>
+                <a:lnTo>
+                  <a:pt x="3906" y="21485"/>
+                </a:lnTo>
+                <a:cubicBezTo>
+                  <a:pt x="-811" y="16509"/>
+                  <a:pt x="-811" y="8866"/>
+                  <a:pt x="3906" y="3889"/>
+                </a:cubicBezTo>
+                <a:cubicBezTo>
+                  <a:pt x="8712" y="-1176"/>
+                  <a:pt x="16811" y="-1265"/>
+                  <a:pt x="21707" y="3534"/>
+                </a:cubicBezTo>
+                <a:close/>
+              </a:path>
+            </a:pathLst>
+          </a:custGeom>
+          <a:solidFill>
+            <a:schemeClr val="accent4"/>
+          </a:solidFill>
+          <a:ln>
+            <a:noFill/>
+          </a:ln>
+        </p:spPr>
+      </p:sp>
+    </p:spTree>
+  </p:cSld>
+  <p:clrMapOvr>
+    <a:masterClrMapping/>
+  </p:clrMapOvr>
+  <p:transition spd="med">
+    <p:pull/>
+  </p:transition>
+</p:sld>
+</file>
+
+<file path=ppt/slides/slide8.xml><?xml version="1.0" encoding="utf-8"?>
+<p:sld xmlns:a="http://schemas.openxmlformats.org/drawingml/2006/main" xmlns:r="http://schemas.openxmlformats.org/officeDocument/2006/relationships" xmlns:p="http://schemas.openxmlformats.org/presentationml/2006/main">
+  <p:cSld>
+    <p:spTree>
+      <p:nvGrpSpPr>
+        <p:cNvPr id="1" name=""/>
+        <p:cNvGrpSpPr/>
+        <p:nvPr/>
+      </p:nvGrpSpPr>
+      <p:grpSpPr>
+        <a:xfrm>
+          <a:off x="0" y="0"/>
+          <a:ext cx="0" cy="0"/>
+          <a:chOff x="0" y="0"/>
+          <a:chExt cx="0" cy="0"/>
+        </a:xfrm>
+      </p:grpSpPr>
+      <p:sp>
+        <p:nvSpPr>
+          <p:cNvPr id="10" name="标题 9"/>
+          <p:cNvSpPr>
+            <a:spLocks noGrp="1"/>
+          </p:cNvSpPr>
+          <p:nvPr>
+            <p:ph type="title"/>
+          </p:nvPr>
+        </p:nvSpPr>
+        <p:spPr>
+          <a:xfrm>
+            <a:off x="1606550" y="345305"/>
+            <a:ext cx="8643848" cy="478155"/>
+          </a:xfrm>
+        </p:spPr>
+        <p:txBody>
+          <a:bodyPr/>
+          <a:lstStyle/>
+          <a:p>
+            <a:r>
+              <a:rPr lang="zh-CN" altLang="en-US" dirty="0"/>
               <a:t>技术方案</a:t>
             </a:r>
           </a:p>
@@ -39463,7 +41596,7 @@
 </p:sld>
 </file>
 
-<file path=ppt/slides/slide8.xml><?xml version="1.0" encoding="utf-8"?>
+<file path=ppt/slides/slide9.xml><?xml version="1.0" encoding="utf-8"?>
 <p:sld xmlns:a="http://schemas.openxmlformats.org/drawingml/2006/main" xmlns:r="http://schemas.openxmlformats.org/officeDocument/2006/relationships" xmlns:p="http://schemas.openxmlformats.org/presentationml/2006/main">
   <p:cSld>
     <p:spTree>
@@ -39995,508 +42128,6 @@
 </p:sld>
 </file>
 
-<file path=ppt/slides/slide9.xml><?xml version="1.0" encoding="utf-8"?>
-<p:sld xmlns:a="http://schemas.openxmlformats.org/drawingml/2006/main" xmlns:r="http://schemas.openxmlformats.org/officeDocument/2006/relationships" xmlns:p="http://schemas.openxmlformats.org/presentationml/2006/main">
-  <p:cSld>
-    <p:spTree>
-      <p:nvGrpSpPr>
-        <p:cNvPr id="1" name=""/>
-        <p:cNvGrpSpPr/>
-        <p:nvPr/>
-      </p:nvGrpSpPr>
-      <p:grpSpPr>
-        <a:xfrm>
-          <a:off x="0" y="0"/>
-          <a:ext cx="0" cy="0"/>
-          <a:chOff x="0" y="0"/>
-          <a:chExt cx="0" cy="0"/>
-        </a:xfrm>
-      </p:grpSpPr>
-      <p:sp>
-        <p:nvSpPr>
-          <p:cNvPr id="10" name="标题 9"/>
-          <p:cNvSpPr>
-            <a:spLocks noGrp="1"/>
-          </p:cNvSpPr>
-          <p:nvPr>
-            <p:ph type="title"/>
-          </p:nvPr>
-        </p:nvSpPr>
-        <p:spPr>
-          <a:xfrm>
-            <a:off x="1606550" y="345305"/>
-            <a:ext cx="8643848" cy="478155"/>
-          </a:xfrm>
-        </p:spPr>
-        <p:txBody>
-          <a:bodyPr/>
-          <a:lstStyle/>
-          <a:p>
-            <a:r>
-              <a:rPr lang="zh-CN" altLang="en-US" dirty="0"/>
-              <a:t>技术方案</a:t>
-            </a:r>
-          </a:p>
-        </p:txBody>
-      </p:sp>
-      <p:sp>
-        <p:nvSpPr>
-          <p:cNvPr id="53" name="文本框 52"/>
-          <p:cNvSpPr txBox="1">
-            <a:spLocks noChangeArrowheads="1"/>
-          </p:cNvSpPr>
-          <p:nvPr/>
-        </p:nvSpPr>
-        <p:spPr bwMode="auto">
-          <a:xfrm>
-            <a:off x="357352" y="235111"/>
-            <a:ext cx="969798" cy="646112"/>
-          </a:xfrm>
-          <a:prstGeom prst="rect">
-            <a:avLst/>
-          </a:prstGeom>
-          <a:noFill/>
-          <a:ln>
-            <a:noFill/>
-          </a:ln>
-          <a:extLst>
-            <a:ext uri="{909E8E84-426E-40DD-AFC4-6F175D3DCCD1}">
-              <a14:hiddenFill xmlns:a14="http://schemas.microsoft.com/office/drawing/2010/main">
-                <a:solidFill>
-                  <a:srgbClr val="FFFFFF"/>
-                </a:solidFill>
-              </a14:hiddenFill>
-            </a:ext>
-            <a:ext uri="{91240B29-F687-4F45-9708-019B960494DF}">
-              <a14:hiddenLine xmlns:a14="http://schemas.microsoft.com/office/drawing/2010/main" w="9525">
-                <a:solidFill>
-                  <a:srgbClr val="000000"/>
-                </a:solidFill>
-                <a:miter lim="800000"/>
-                <a:headEnd/>
-                <a:tailEnd/>
-              </a14:hiddenLine>
-            </a:ext>
-          </a:extLst>
-        </p:spPr>
-        <p:txBody>
-          <a:bodyPr wrap="square">
-            <a:spAutoFit/>
-          </a:bodyPr>
-          <a:lstStyle>
-            <a:lvl1pPr marL="228600" indent="-228600">
-              <a:defRPr>
-                <a:solidFill>
-                  <a:schemeClr val="tx1"/>
-                </a:solidFill>
-                <a:latin typeface="Century Gothic" panose="020B0502020202020204" pitchFamily="34" charset="0"/>
-                <a:ea typeface="微软雅黑" panose="020B0503020204020204" charset="-122"/>
-              </a:defRPr>
-            </a:lvl1pPr>
-            <a:lvl2pPr marL="742950" indent="-285750">
-              <a:defRPr>
-                <a:solidFill>
-                  <a:schemeClr val="tx1"/>
-                </a:solidFill>
-                <a:latin typeface="Century Gothic" panose="020B0502020202020204" pitchFamily="34" charset="0"/>
-                <a:ea typeface="微软雅黑" panose="020B0503020204020204" charset="-122"/>
-              </a:defRPr>
-            </a:lvl2pPr>
-            <a:lvl3pPr marL="1143000" indent="-228600">
-              <a:defRPr>
-                <a:solidFill>
-                  <a:schemeClr val="tx1"/>
-                </a:solidFill>
-                <a:latin typeface="Century Gothic" panose="020B0502020202020204" pitchFamily="34" charset="0"/>
-                <a:ea typeface="微软雅黑" panose="020B0503020204020204" charset="-122"/>
-              </a:defRPr>
-            </a:lvl3pPr>
-            <a:lvl4pPr marL="1600200" indent="-228600">
-              <a:defRPr>
-                <a:solidFill>
-                  <a:schemeClr val="tx1"/>
-                </a:solidFill>
-                <a:latin typeface="Century Gothic" panose="020B0502020202020204" pitchFamily="34" charset="0"/>
-                <a:ea typeface="微软雅黑" panose="020B0503020204020204" charset="-122"/>
-              </a:defRPr>
-            </a:lvl4pPr>
-            <a:lvl5pPr marL="2057400" indent="-228600">
-              <a:defRPr>
-                <a:solidFill>
-                  <a:schemeClr val="tx1"/>
-                </a:solidFill>
-                <a:latin typeface="Century Gothic" panose="020B0502020202020204" pitchFamily="34" charset="0"/>
-                <a:ea typeface="微软雅黑" panose="020B0503020204020204" charset="-122"/>
-              </a:defRPr>
-            </a:lvl5pPr>
-            <a:lvl6pPr marL="2514600" indent="-228600" fontAlgn="base">
-              <a:spcBef>
-                <a:spcPct val="0"/>
-              </a:spcBef>
-              <a:spcAft>
-                <a:spcPct val="0"/>
-              </a:spcAft>
-              <a:defRPr>
-                <a:solidFill>
-                  <a:schemeClr val="tx1"/>
-                </a:solidFill>
-                <a:latin typeface="Century Gothic" panose="020B0502020202020204" pitchFamily="34" charset="0"/>
-                <a:ea typeface="微软雅黑" panose="020B0503020204020204" charset="-122"/>
-              </a:defRPr>
-            </a:lvl6pPr>
-            <a:lvl7pPr marL="2971800" indent="-228600" fontAlgn="base">
-              <a:spcBef>
-                <a:spcPct val="0"/>
-              </a:spcBef>
-              <a:spcAft>
-                <a:spcPct val="0"/>
-              </a:spcAft>
-              <a:defRPr>
-                <a:solidFill>
-                  <a:schemeClr val="tx1"/>
-                </a:solidFill>
-                <a:latin typeface="Century Gothic" panose="020B0502020202020204" pitchFamily="34" charset="0"/>
-                <a:ea typeface="微软雅黑" panose="020B0503020204020204" charset="-122"/>
-              </a:defRPr>
-            </a:lvl7pPr>
-            <a:lvl8pPr marL="3429000" indent="-228600" fontAlgn="base">
-              <a:spcBef>
-                <a:spcPct val="0"/>
-              </a:spcBef>
-              <a:spcAft>
-                <a:spcPct val="0"/>
-              </a:spcAft>
-              <a:defRPr>
-                <a:solidFill>
-                  <a:schemeClr val="tx1"/>
-                </a:solidFill>
-                <a:latin typeface="Century Gothic" panose="020B0502020202020204" pitchFamily="34" charset="0"/>
-                <a:ea typeface="微软雅黑" panose="020B0503020204020204" charset="-122"/>
-              </a:defRPr>
-            </a:lvl8pPr>
-            <a:lvl9pPr marL="3886200" indent="-228600" fontAlgn="base">
-              <a:spcBef>
-                <a:spcPct val="0"/>
-              </a:spcBef>
-              <a:spcAft>
-                <a:spcPct val="0"/>
-              </a:spcAft>
-              <a:defRPr>
-                <a:solidFill>
-                  <a:schemeClr val="tx1"/>
-                </a:solidFill>
-                <a:latin typeface="Century Gothic" panose="020B0502020202020204" pitchFamily="34" charset="0"/>
-                <a:ea typeface="微软雅黑" panose="020B0503020204020204" charset="-122"/>
-              </a:defRPr>
-            </a:lvl9pPr>
-          </a:lstStyle>
-          <a:p>
-            <a:pPr algn="ctr" eaLnBrk="1" hangingPunct="1">
-              <a:defRPr/>
-            </a:pPr>
-            <a:r>
-              <a:rPr lang="en-US" altLang="zh-CN" sz="3600" b="1" dirty="0">
-                <a:solidFill>
-                  <a:schemeClr val="bg1"/>
-                </a:solidFill>
-              </a:rPr>
-              <a:t>3</a:t>
-            </a:r>
-            <a:endParaRPr lang="zh-CN" altLang="en-US" sz="3600" b="1" dirty="0">
-              <a:solidFill>
-                <a:schemeClr val="bg1"/>
-              </a:solidFill>
-            </a:endParaRPr>
-          </a:p>
-        </p:txBody>
-      </p:sp>
-      <p:grpSp>
-        <p:nvGrpSpPr>
-          <p:cNvPr id="11" name="组合 10"/>
-          <p:cNvGrpSpPr/>
-          <p:nvPr/>
-        </p:nvGrpSpPr>
-        <p:grpSpPr>
-          <a:xfrm>
-            <a:off x="640757" y="1197864"/>
-            <a:ext cx="11118427" cy="4864608"/>
-            <a:chOff x="678857" y="2188316"/>
-            <a:chExt cx="2160001" cy="3917208"/>
-          </a:xfrm>
-        </p:grpSpPr>
-        <p:sp>
-          <p:nvSpPr>
-            <p:cNvPr id="12" name="矩形 11"/>
-            <p:cNvSpPr/>
-            <p:nvPr/>
-          </p:nvSpPr>
-          <p:spPr>
-            <a:xfrm>
-              <a:off x="678857" y="2819802"/>
-              <a:ext cx="720000" cy="72000"/>
-            </a:xfrm>
-            <a:prstGeom prst="rect">
-              <a:avLst/>
-            </a:prstGeom>
-            <a:solidFill>
-              <a:schemeClr val="accent4"/>
-            </a:solidFill>
-            <a:ln>
-              <a:noFill/>
-            </a:ln>
-          </p:spPr>
-          <p:style>
-            <a:lnRef idx="2">
-              <a:schemeClr val="accent1">
-                <a:shade val="50000"/>
-              </a:schemeClr>
-            </a:lnRef>
-            <a:fillRef idx="1">
-              <a:schemeClr val="accent1"/>
-            </a:fillRef>
-            <a:effectRef idx="0">
-              <a:schemeClr val="accent1"/>
-            </a:effectRef>
-            <a:fontRef idx="minor">
-              <a:schemeClr val="lt1"/>
-            </a:fontRef>
-          </p:style>
-          <p:txBody>
-            <a:bodyPr rtlCol="0" anchor="ctr"/>
-            <a:lstStyle/>
-            <a:p>
-              <a:pPr algn="ctr"/>
-              <a:endParaRPr lang="zh-CN" altLang="en-US" sz="2000"/>
-            </a:p>
-          </p:txBody>
-        </p:sp>
-        <p:sp>
-          <p:nvSpPr>
-            <p:cNvPr id="13" name="文本框 12"/>
-            <p:cNvSpPr txBox="1"/>
-            <p:nvPr/>
-          </p:nvSpPr>
-          <p:spPr>
-            <a:xfrm>
-              <a:off x="678857" y="2188316"/>
-              <a:ext cx="640775" cy="371754"/>
-            </a:xfrm>
-            <a:prstGeom prst="rect">
-              <a:avLst/>
-            </a:prstGeom>
-            <a:noFill/>
-          </p:spPr>
-          <p:txBody>
-            <a:bodyPr wrap="none" lIns="0" rtlCol="0">
-              <a:spAutoFit/>
-            </a:bodyPr>
-            <a:lstStyle/>
-            <a:p>
-              <a:r>
-                <a:rPr lang="zh-CN" altLang="en-US" sz="2400" b="1" spc="100" dirty="0">
-                  <a:solidFill>
-                    <a:schemeClr val="accent1"/>
-                  </a:solidFill>
-                </a:rPr>
-                <a:t>文件系统的设计和实现</a:t>
-              </a:r>
-            </a:p>
-          </p:txBody>
-        </p:sp>
-        <p:sp>
-          <p:nvSpPr>
-            <p:cNvPr id="14" name="文本框 13"/>
-            <p:cNvSpPr txBox="1"/>
-            <p:nvPr/>
-          </p:nvSpPr>
-          <p:spPr>
-            <a:xfrm>
-              <a:off x="678858" y="3123177"/>
-              <a:ext cx="2160000" cy="2982347"/>
-            </a:xfrm>
-            <a:prstGeom prst="rect">
-              <a:avLst/>
-            </a:prstGeom>
-            <a:noFill/>
-          </p:spPr>
-          <p:txBody>
-            <a:bodyPr wrap="square" lIns="0" rtlCol="0">
-              <a:noAutofit/>
-            </a:bodyPr>
-            <a:lstStyle/>
-            <a:p>
-              <a:pPr marL="285750" indent="-285750" algn="just">
-                <a:lnSpc>
-                  <a:spcPct val="150000"/>
-                </a:lnSpc>
-                <a:buFont typeface="Arial" panose="020B0604020202020204" pitchFamily="34" charset="0"/>
-                <a:buChar char="•"/>
-              </a:pPr>
-              <a:r>
-                <a:rPr lang="zh-CN" altLang="en-US" spc="100" dirty="0"/>
-                <a:t>文件信息的存储</a:t>
-              </a:r>
-              <a:endParaRPr lang="en-US" altLang="zh-CN" spc="100" dirty="0"/>
-            </a:p>
-            <a:p>
-              <a:pPr marL="800100" lvl="1" indent="-342900" algn="just">
-                <a:lnSpc>
-                  <a:spcPct val="150000"/>
-                </a:lnSpc>
-                <a:buFont typeface="+mj-lt"/>
-                <a:buAutoNum type="arabicPeriod"/>
-              </a:pPr>
-              <a:r>
-                <a:rPr lang="en-US" altLang="zh-CN" spc="100" dirty="0"/>
-                <a:t>key = “</a:t>
-              </a:r>
-              <a:r>
-                <a:rPr lang="en-US" altLang="zh-CN" spc="100" dirty="0" err="1"/>
-                <a:t>data”,value</a:t>
-              </a:r>
-              <a:r>
-                <a:rPr lang="en-US" altLang="zh-CN" spc="100" dirty="0"/>
-                <a:t> = “….”</a:t>
-              </a:r>
-            </a:p>
-            <a:p>
-              <a:pPr marL="1257300" lvl="2" indent="-342900" algn="just">
-                <a:lnSpc>
-                  <a:spcPct val="150000"/>
-                </a:lnSpc>
-                <a:buFont typeface="+mj-lt"/>
-                <a:buAutoNum type="arabicPeriod"/>
-              </a:pPr>
-              <a:r>
-                <a:rPr lang="zh-CN" altLang="en-US" spc="100" dirty="0"/>
-                <a:t>所有的文件内容存在一个</a:t>
-              </a:r>
-              <a:r>
-                <a:rPr lang="en-US" altLang="zh-CN" spc="100" dirty="0"/>
-                <a:t>value</a:t>
-              </a:r>
-              <a:r>
-                <a:rPr lang="zh-CN" altLang="en-US" spc="100" dirty="0"/>
-                <a:t>里面</a:t>
-              </a:r>
-              <a:endParaRPr lang="en-US" altLang="zh-CN" spc="100" dirty="0"/>
-            </a:p>
-            <a:p>
-              <a:pPr marL="1257300" lvl="2" indent="-342900" algn="just">
-                <a:lnSpc>
-                  <a:spcPct val="150000"/>
-                </a:lnSpc>
-                <a:buFont typeface="+mj-lt"/>
-                <a:buAutoNum type="arabicPeriod"/>
-              </a:pPr>
-              <a:r>
-                <a:rPr lang="zh-CN" altLang="en-US" spc="100" dirty="0"/>
-                <a:t>读取速度快，修改</a:t>
-              </a:r>
-              <a:r>
-                <a:rPr lang="en-US" altLang="zh-CN" spc="100" dirty="0"/>
-                <a:t>/</a:t>
-              </a:r>
-              <a:r>
-                <a:rPr lang="zh-CN" altLang="en-US" spc="100" dirty="0"/>
-                <a:t>写入慢，相当于需要重写整个</a:t>
-              </a:r>
-              <a:r>
-                <a:rPr lang="en-US" altLang="zh-CN" spc="100" dirty="0"/>
-                <a:t>value</a:t>
-              </a:r>
-            </a:p>
-            <a:p>
-              <a:pPr marL="800100" lvl="1" indent="-342900" algn="just">
-                <a:lnSpc>
-                  <a:spcPct val="150000"/>
-                </a:lnSpc>
-                <a:buFont typeface="+mj-lt"/>
-                <a:buAutoNum type="arabicPeriod"/>
-              </a:pPr>
-              <a:r>
-                <a:rPr lang="en-US" altLang="zh-CN" spc="100" dirty="0"/>
-                <a:t>key = “</a:t>
-              </a:r>
-              <a:r>
-                <a:rPr lang="en-US" altLang="zh-CN" spc="100" dirty="0" err="1"/>
-                <a:t>data”,bucket</a:t>
-              </a:r>
-              <a:endParaRPr lang="en-US" altLang="zh-CN" spc="100" dirty="0"/>
-            </a:p>
-            <a:p>
-              <a:pPr marL="1257300" lvl="2" indent="-342900" algn="just">
-                <a:lnSpc>
-                  <a:spcPct val="150000"/>
-                </a:lnSpc>
-                <a:buFont typeface="+mj-lt"/>
-                <a:buAutoNum type="arabicPeriod"/>
-              </a:pPr>
-              <a:r>
-                <a:rPr lang="zh-CN" altLang="en-US" spc="100" dirty="0"/>
-                <a:t>每一次修改作为一个</a:t>
-              </a:r>
-              <a:r>
-                <a:rPr lang="en-US" altLang="zh-CN" spc="100" dirty="0"/>
-                <a:t>key-value</a:t>
-              </a:r>
-              <a:r>
-                <a:rPr lang="zh-CN" altLang="en-US" spc="100" dirty="0"/>
-                <a:t>插入</a:t>
-              </a:r>
-              <a:endParaRPr lang="en-US" altLang="zh-CN" spc="100" dirty="0"/>
-            </a:p>
-            <a:p>
-              <a:pPr marL="1257300" lvl="2" indent="-342900" algn="just">
-                <a:lnSpc>
-                  <a:spcPct val="150000"/>
-                </a:lnSpc>
-                <a:buFont typeface="+mj-lt"/>
-                <a:buAutoNum type="arabicPeriod"/>
-              </a:pPr>
-              <a:r>
-                <a:rPr lang="zh-CN" altLang="en-US" spc="100" dirty="0"/>
-                <a:t>读取稍慢，修改</a:t>
-              </a:r>
-              <a:r>
-                <a:rPr lang="en-US" altLang="zh-CN" spc="100" dirty="0"/>
-                <a:t>/</a:t>
-              </a:r>
-              <a:r>
-                <a:rPr lang="zh-CN" altLang="en-US" spc="100" dirty="0"/>
-                <a:t>写入更快，可以只修改某一部分</a:t>
-              </a:r>
-              <a:endParaRPr lang="en-US" altLang="zh-CN" spc="100" dirty="0"/>
-            </a:p>
-            <a:p>
-              <a:pPr marL="1257300" lvl="2" indent="-342900" algn="just">
-                <a:lnSpc>
-                  <a:spcPct val="150000"/>
-                </a:lnSpc>
-                <a:buFont typeface="+mj-lt"/>
-                <a:buAutoNum type="arabicPeriod"/>
-              </a:pPr>
-              <a:endParaRPr lang="en-US" altLang="zh-CN" spc="100" dirty="0"/>
-            </a:p>
-          </p:txBody>
-        </p:sp>
-      </p:grpSp>
-    </p:spTree>
-    <p:extLst>
-      <p:ext uri="{BB962C8B-B14F-4D97-AF65-F5344CB8AC3E}">
-        <p14:creationId xmlns:p14="http://schemas.microsoft.com/office/powerpoint/2010/main" val="940122492"/>
-      </p:ext>
-    </p:extLst>
-  </p:cSld>
-  <p:clrMapOvr>
-    <a:masterClrMapping/>
-  </p:clrMapOvr>
-  <p:transition spd="med">
-    <p:pull/>
-  </p:transition>
-</p:sld>
-</file>
-
 <file path=ppt/tags/tag1.xml><?xml version="1.0" encoding="utf-8"?>
 <p:tagLst xmlns:a="http://schemas.openxmlformats.org/drawingml/2006/main" xmlns:r="http://schemas.openxmlformats.org/officeDocument/2006/relationships" xmlns:p="http://schemas.openxmlformats.org/presentationml/2006/main">
   <p:tag name="PA" val="v5.1.2"/>
